--- a/Concussions in the NFL.pptx
+++ b/Concussions in the NFL.pptx
@@ -12,6 +12,9 @@
     <p:sldId id="260" r:id="rId6"/>
     <p:sldId id="261" r:id="rId7"/>
     <p:sldId id="262" r:id="rId8"/>
+    <p:sldId id="263" r:id="rId9"/>
+    <p:sldId id="264" r:id="rId10"/>
+    <p:sldId id="265" r:id="rId11"/>
   </p:sldIdLst>
   <p:sldSz cx="12192000" cy="6858000"/>
   <p:notesSz cx="6858000" cy="9144000"/>
@@ -110,7 +113,24 @@
       </a:defRPr>
     </a:lvl9pPr>
   </p:defaultTextStyle>
+  <p:extLst>
+    <p:ext uri="{EFAFB233-063F-42B5-8137-9DF3F51BA10A}">
+      <p15:sldGuideLst xmlns:p15="http://schemas.microsoft.com/office/powerpoint/2012/main"/>
+    </p:ext>
+  </p:extLst>
 </p:presentation>
+</file>
+
+<file path=ppt/commentAuthors.xml><?xml version="1.0" encoding="utf-8"?>
+<p:cmAuthorLst xmlns:a="http://schemas.openxmlformats.org/drawingml/2006/main" xmlns:r="http://schemas.openxmlformats.org/officeDocument/2006/relationships" xmlns:p="http://schemas.openxmlformats.org/presentationml/2006/main">
+  <p:cmAuthor id="1" name="William Taylor" initials="WT" lastIdx="1" clrIdx="0">
+    <p:extLst>
+      <p:ext uri="{19B8F6BF-5375-455C-9EA6-DF929625EA0E}">
+        <p15:presenceInfo xmlns:p15="http://schemas.microsoft.com/office/powerpoint/2012/main" userId="62f1eeab9bd23835" providerId="Windows Live"/>
+      </p:ext>
+    </p:extLst>
+  </p:cmAuthor>
+</p:cmAuthorLst>
 </file>
 
 <file path=ppt/slideLayouts/slideLayout1.xml><?xml version="1.0" encoding="utf-8"?>
@@ -3566,7 +3586,7 @@
 </p:sld>
 </file>
 
-<file path=ppt/slides/slide2.xml><?xml version="1.0" encoding="utf-8"?>
+<file path=ppt/slides/slide10.xml><?xml version="1.0" encoding="utf-8"?>
 <p:sld xmlns:a="http://schemas.openxmlformats.org/drawingml/2006/main" xmlns:r="http://schemas.openxmlformats.org/officeDocument/2006/relationships" xmlns:p="http://schemas.openxmlformats.org/presentationml/2006/main">
   <p:cSld>
     <p:bg>
@@ -3672,7 +3692,7 @@
           <a:lstStyle/>
           <a:p>
             <a:pPr algn="ctr"/>
-            <a:endParaRPr lang="en-US" dirty="0"/>
+            <a:endParaRPr lang="en-US"/>
           </a:p>
         </p:txBody>
       </p:sp>
@@ -3726,7 +3746,7 @@
           <p:cNvPr id="2" name="Title 1">
             <a:extLst>
               <a:ext uri="{FF2B5EF4-FFF2-40B4-BE49-F238E27FC236}">
-                <a16:creationId xmlns:a16="http://schemas.microsoft.com/office/drawing/2014/main" id="{CB8B558E-4C6D-4B74-9794-D7FC2AB58FD9}"/>
+                <a16:creationId xmlns:a16="http://schemas.microsoft.com/office/drawing/2014/main" id="{637F08C2-8BBC-4F25-A2C6-C28591BCDC3A}"/>
               </a:ext>
             </a:extLst>
           </p:cNvPr>
@@ -3756,74 +3776,74 @@
                   <a:srgbClr val="FFFFFF"/>
                 </a:solidFill>
               </a:rPr>
-              <a:t>Motivation and Summary</a:t>
-            </a:r>
-          </a:p>
-        </p:txBody>
-      </p:sp>
-      <p:sp>
-        <p:nvSpPr>
-          <p:cNvPr id="3" name="Content Placeholder 2">
-            <a:extLst>
-              <a:ext uri="{FF2B5EF4-FFF2-40B4-BE49-F238E27FC236}">
-                <a16:creationId xmlns:a16="http://schemas.microsoft.com/office/drawing/2014/main" id="{A186B2EB-074B-4033-98B2-BBDA10AB658E}"/>
-              </a:ext>
-            </a:extLst>
-          </p:cNvPr>
-          <p:cNvSpPr>
-            <a:spLocks noGrp="1"/>
-          </p:cNvSpPr>
-          <p:nvPr>
-            <p:ph idx="1"/>
-          </p:nvPr>
+              <a:t>Conclusion question 3</a:t>
+            </a:r>
+          </a:p>
+        </p:txBody>
+      </p:sp>
+      <p:sp>
+        <p:nvSpPr>
+          <p:cNvPr id="4" name="TextBox 3">
+            <a:extLst>
+              <a:ext uri="{FF2B5EF4-FFF2-40B4-BE49-F238E27FC236}">
+                <a16:creationId xmlns:a16="http://schemas.microsoft.com/office/drawing/2014/main" id="{7DAA3B98-3341-4C96-BE70-AFC87A04C8F5}"/>
+              </a:ext>
+            </a:extLst>
+          </p:cNvPr>
+          <p:cNvSpPr txBox="1"/>
+          <p:nvPr/>
         </p:nvSpPr>
         <p:spPr>
           <a:xfrm>
-            <a:off x="1179226" y="3092970"/>
-            <a:ext cx="9833548" cy="2693976"/>
+            <a:off x="1004596" y="3180333"/>
+            <a:ext cx="5695070" cy="1754326"/>
           </a:xfrm>
+          <a:prstGeom prst="rect">
+            <a:avLst/>
+          </a:prstGeom>
+          <a:noFill/>
         </p:spPr>
         <p:txBody>
-          <a:bodyPr>
-            <a:normAutofit/>
+          <a:bodyPr wrap="square" rtlCol="0">
+            <a:spAutoFit/>
           </a:bodyPr>
           <a:lstStyle/>
           <a:p>
-            <a:r>
-              <a:rPr lang="en-US" sz="2000" dirty="0">
-                <a:solidFill>
-                  <a:srgbClr val="000000"/>
-                </a:solidFill>
-              </a:rPr>
-              <a:t>We were questioning whether the awareness of head injuries has caused a decline in concussions</a:t>
-            </a:r>
-          </a:p>
-          <a:p>
-            <a:r>
-              <a:rPr lang="en-US" sz="2000" dirty="0">
-                <a:solidFill>
-                  <a:srgbClr val="000000"/>
-                </a:solidFill>
-              </a:rPr>
-              <a:t>We asked whether rule changes and the release of the Will Smith movie “Concussion” have helped </a:t>
-            </a:r>
-          </a:p>
-          <a:p>
-            <a:r>
-              <a:rPr lang="en-US" sz="2000" dirty="0">
-                <a:solidFill>
-                  <a:srgbClr val="000000"/>
-                </a:solidFill>
-              </a:rPr>
-              <a:t>Our answers were not conclusive and not what he hypothesized. It appears that concussions went up. </a:t>
-            </a:r>
+            <a:pPr marL="285750" indent="-285750">
+              <a:buFont typeface="Arial" panose="020B0604020202020204" pitchFamily="34" charset="0"/>
+              <a:buChar char="•"/>
+            </a:pPr>
+            <a:r>
+              <a:rPr lang="en-US" dirty="0"/>
+              <a:t>There appears to be no real difference in the which week of the season that concussions occur, just a slight upward trend towards the end of the season.</a:t>
+            </a:r>
+          </a:p>
+          <a:p>
+            <a:pPr marL="285750" indent="-285750">
+              <a:buFont typeface="Arial" panose="020B0604020202020204" pitchFamily="34" charset="0"/>
+              <a:buChar char="•"/>
+            </a:pPr>
+            <a:r>
+              <a:rPr lang="en-US" dirty="0"/>
+              <a:t>The data supports the Null hypothesis </a:t>
+            </a:r>
+          </a:p>
+          <a:p>
+            <a:endParaRPr lang="en-US" dirty="0"/>
+          </a:p>
+          <a:p>
+            <a:pPr marL="285750" indent="-285750">
+              <a:buFont typeface="Arial" panose="020B0604020202020204" pitchFamily="34" charset="0"/>
+              <a:buChar char="•"/>
+            </a:pPr>
+            <a:endParaRPr lang="en-US" dirty="0"/>
           </a:p>
         </p:txBody>
       </p:sp>
     </p:spTree>
     <p:extLst>
       <p:ext uri="{BB962C8B-B14F-4D97-AF65-F5344CB8AC3E}">
-        <p14:creationId xmlns:p14="http://schemas.microsoft.com/office/powerpoint/2010/main" val="3316533889"/>
+        <p14:creationId xmlns:p14="http://schemas.microsoft.com/office/powerpoint/2010/main" val="1191722232"/>
       </p:ext>
     </p:extLst>
   </p:cSld>
@@ -3833,7 +3853,7 @@
 </p:sld>
 </file>
 
-<file path=ppt/slides/slide3.xml><?xml version="1.0" encoding="utf-8"?>
+<file path=ppt/slides/slide2.xml><?xml version="1.0" encoding="utf-8"?>
 <p:sld xmlns:a="http://schemas.openxmlformats.org/drawingml/2006/main" xmlns:r="http://schemas.openxmlformats.org/officeDocument/2006/relationships" xmlns:p="http://schemas.openxmlformats.org/presentationml/2006/main">
   <p:cSld>
     <p:bg>
@@ -3939,7 +3959,7 @@
           <a:lstStyle/>
           <a:p>
             <a:pPr algn="ctr"/>
-            <a:endParaRPr lang="en-US"/>
+            <a:endParaRPr lang="en-US" dirty="0"/>
           </a:p>
         </p:txBody>
       </p:sp>
@@ -3993,7 +4013,7 @@
           <p:cNvPr id="2" name="Title 1">
             <a:extLst>
               <a:ext uri="{FF2B5EF4-FFF2-40B4-BE49-F238E27FC236}">
-                <a16:creationId xmlns:a16="http://schemas.microsoft.com/office/drawing/2014/main" id="{54206936-BB7F-48D4-827D-5BC97CE13BB1}"/>
+                <a16:creationId xmlns:a16="http://schemas.microsoft.com/office/drawing/2014/main" id="{CB8B558E-4C6D-4B74-9794-D7FC2AB58FD9}"/>
               </a:ext>
             </a:extLst>
           </p:cNvPr>
@@ -4023,7 +4043,7 @@
                   <a:srgbClr val="FFFFFF"/>
                 </a:solidFill>
               </a:rPr>
-              <a:t>Questions</a:t>
+              <a:t>Motivation and Summary</a:t>
             </a:r>
           </a:p>
         </p:txBody>
@@ -4033,7 +4053,7 @@
           <p:cNvPr id="3" name="Content Placeholder 2">
             <a:extLst>
               <a:ext uri="{FF2B5EF4-FFF2-40B4-BE49-F238E27FC236}">
-                <a16:creationId xmlns:a16="http://schemas.microsoft.com/office/drawing/2014/main" id="{1728C9CC-57C8-4FED-B322-AAE3DFDB8067}"/>
+                <a16:creationId xmlns:a16="http://schemas.microsoft.com/office/drawing/2014/main" id="{A186B2EB-074B-4033-98B2-BBDA10AB658E}"/>
               </a:ext>
             </a:extLst>
           </p:cNvPr>
@@ -4052,16 +4072,283 @@
         </p:spPr>
         <p:txBody>
           <a:bodyPr>
-            <a:normAutofit lnSpcReduction="10000"/>
+            <a:normAutofit/>
           </a:bodyPr>
           <a:lstStyle/>
           <a:p>
-            <a:pPr algn="l">
+            <a:r>
+              <a:rPr lang="en-US" sz="2000" dirty="0">
+                <a:solidFill>
+                  <a:srgbClr val="000000"/>
+                </a:solidFill>
+              </a:rPr>
+              <a:t>We were questioning whether the awareness of head injuries has caused a decline in concussions</a:t>
+            </a:r>
+          </a:p>
+          <a:p>
+            <a:r>
+              <a:rPr lang="en-US" sz="2000" dirty="0">
+                <a:solidFill>
+                  <a:srgbClr val="000000"/>
+                </a:solidFill>
+              </a:rPr>
+              <a:t>We asked whether rule changes and the release of the Will Smith movie “Concussion” have helped </a:t>
+            </a:r>
+          </a:p>
+          <a:p>
+            <a:r>
+              <a:rPr lang="en-US" sz="2000" dirty="0">
+                <a:solidFill>
+                  <a:srgbClr val="000000"/>
+                </a:solidFill>
+              </a:rPr>
+              <a:t>Our answers were not conclusive and not what he hypothesized. It appears that concussions went up. </a:t>
+            </a:r>
+          </a:p>
+        </p:txBody>
+      </p:sp>
+    </p:spTree>
+    <p:extLst>
+      <p:ext uri="{BB962C8B-B14F-4D97-AF65-F5344CB8AC3E}">
+        <p14:creationId xmlns:p14="http://schemas.microsoft.com/office/powerpoint/2010/main" val="3316533889"/>
+      </p:ext>
+    </p:extLst>
+  </p:cSld>
+  <p:clrMapOvr>
+    <a:masterClrMapping/>
+  </p:clrMapOvr>
+</p:sld>
+</file>
+
+<file path=ppt/slides/slide3.xml><?xml version="1.0" encoding="utf-8"?>
+<p:sld xmlns:a="http://schemas.openxmlformats.org/drawingml/2006/main" xmlns:r="http://schemas.openxmlformats.org/officeDocument/2006/relationships" xmlns:p="http://schemas.openxmlformats.org/presentationml/2006/main">
+  <p:cSld>
+    <p:bg>
+      <p:bgPr>
+        <a:solidFill>
+          <a:schemeClr val="bg1"/>
+        </a:solidFill>
+        <a:effectLst/>
+      </p:bgPr>
+    </p:bg>
+    <p:spTree>
+      <p:nvGrpSpPr>
+        <p:cNvPr id="1" name=""/>
+        <p:cNvGrpSpPr/>
+        <p:nvPr/>
+      </p:nvGrpSpPr>
+      <p:grpSpPr>
+        <a:xfrm>
+          <a:off x="0" y="0"/>
+          <a:ext cx="0" cy="0"/>
+          <a:chOff x="0" y="0"/>
+          <a:chExt cx="0" cy="0"/>
+        </a:xfrm>
+      </p:grpSpPr>
+      <p:sp>
+        <p:nvSpPr>
+          <p:cNvPr id="8" name="Rectangle 7">
+            <a:extLst>
+              <a:ext uri="{FF2B5EF4-FFF2-40B4-BE49-F238E27FC236}">
+                <a16:creationId xmlns:a16="http://schemas.microsoft.com/office/drawing/2014/main" id="{4351DFE5-F63D-4BE0-BDA9-E3EB88F01AA5}"/>
+              </a:ext>
+              <a:ext uri="{C183D7F6-B498-43B3-948B-1728B52AA6E4}">
+                <adec:decorative xmlns:adec="http://schemas.microsoft.com/office/drawing/2017/decorative" val="1"/>
+              </a:ext>
+            </a:extLst>
+          </p:cNvPr>
+          <p:cNvSpPr>
+            <a:spLocks noGrp="1" noRot="1" noChangeAspect="1" noMove="1" noResize="1" noEditPoints="1" noAdjustHandles="1" noChangeArrowheads="1" noChangeShapeType="1" noTextEdit="1"/>
+          </p:cNvSpPr>
+          <p:nvPr>
+            <p:extLst>
+              <p:ext uri="{386F3935-93C4-4BCD-93E2-E3B085C9AB24}">
+                <p16:designElem xmlns:p16="http://schemas.microsoft.com/office/powerpoint/2015/main" val="1"/>
+              </p:ext>
+            </p:extLst>
+          </p:nvPr>
+        </p:nvSpPr>
+        <p:spPr>
+          <a:xfrm>
+            <a:off x="355601" y="0"/>
+            <a:ext cx="11480494" cy="2753936"/>
+          </a:xfrm>
+          <a:prstGeom prst="rect">
+            <a:avLst/>
+          </a:prstGeom>
+          <a:gradFill>
+            <a:gsLst>
+              <a:gs pos="0">
+                <a:schemeClr val="accent1">
+                  <a:lumMod val="90000"/>
+                </a:schemeClr>
+              </a:gs>
+              <a:gs pos="25000">
+                <a:schemeClr val="accent1">
+                  <a:lumMod val="90000"/>
+                </a:schemeClr>
+              </a:gs>
+              <a:gs pos="94000">
+                <a:schemeClr val="bg2">
+                  <a:lumMod val="25000"/>
+                </a:schemeClr>
+              </a:gs>
+              <a:gs pos="100000">
+                <a:schemeClr val="bg2">
+                  <a:lumMod val="25000"/>
+                </a:schemeClr>
+              </a:gs>
+            </a:gsLst>
+            <a:lin ang="4200000" scaled="0"/>
+          </a:gradFill>
+          <a:ln>
+            <a:noFill/>
+          </a:ln>
+        </p:spPr>
+        <p:style>
+          <a:lnRef idx="2">
+            <a:schemeClr val="accent1">
+              <a:shade val="50000"/>
+            </a:schemeClr>
+          </a:lnRef>
+          <a:fillRef idx="1">
+            <a:schemeClr val="accent1"/>
+          </a:fillRef>
+          <a:effectRef idx="0">
+            <a:schemeClr val="accent1"/>
+          </a:effectRef>
+          <a:fontRef idx="minor">
+            <a:schemeClr val="lt1"/>
+          </a:fontRef>
+        </p:style>
+        <p:txBody>
+          <a:bodyPr rtlCol="0" anchor="ctr"/>
+          <a:lstStyle/>
+          <a:p>
+            <a:pPr algn="ctr"/>
+            <a:endParaRPr lang="en-US"/>
+          </a:p>
+        </p:txBody>
+      </p:sp>
+      <p:pic>
+        <p:nvPicPr>
+          <p:cNvPr id="10" name="Picture 9">
+            <a:extLst>
+              <a:ext uri="{FF2B5EF4-FFF2-40B4-BE49-F238E27FC236}">
+                <a16:creationId xmlns:a16="http://schemas.microsoft.com/office/drawing/2014/main" id="{3AA16612-ACD2-4A16-8F2B-4514FD6BF28F}"/>
+              </a:ext>
+              <a:ext uri="{C183D7F6-B498-43B3-948B-1728B52AA6E4}">
+                <adec:decorative xmlns:adec="http://schemas.microsoft.com/office/drawing/2017/decorative" val="1"/>
+              </a:ext>
+            </a:extLst>
+          </p:cNvPr>
+          <p:cNvPicPr>
+            <a:picLocks noGrp="1" noRot="1" noChangeAspect="1" noMove="1" noResize="1" noEditPoints="1" noAdjustHandles="1" noChangeArrowheads="1" noChangeShapeType="1" noCrop="1"/>
+          </p:cNvPicPr>
+          <p:nvPr>
+            <p:extLst>
+              <p:ext uri="{386F3935-93C4-4BCD-93E2-E3B085C9AB24}">
+                <p16:designElem xmlns:p16="http://schemas.microsoft.com/office/powerpoint/2015/main" val="1"/>
+              </p:ext>
+            </p:extLst>
+          </p:nvPr>
+        </p:nvPicPr>
+        <p:blipFill>
+          <a:blip r:embed="rId2">
+            <a:extLst>
+              <a:ext uri="{28A0092B-C50C-407E-A947-70E740481C1C}">
+                <a14:useLocalDpi xmlns:a14="http://schemas.microsoft.com/office/drawing/2010/main" val="0"/>
+              </a:ext>
+            </a:extLst>
+          </a:blip>
+          <a:stretch>
+            <a:fillRect/>
+          </a:stretch>
+        </p:blipFill>
+        <p:spPr>
+          <a:xfrm>
+            <a:off x="0" y="0"/>
+            <a:ext cx="12192000" cy="6858000"/>
+          </a:xfrm>
+          <a:prstGeom prst="rect">
+            <a:avLst/>
+          </a:prstGeom>
+        </p:spPr>
+      </p:pic>
+      <p:sp>
+        <p:nvSpPr>
+          <p:cNvPr id="2" name="Title 1">
+            <a:extLst>
+              <a:ext uri="{FF2B5EF4-FFF2-40B4-BE49-F238E27FC236}">
+                <a16:creationId xmlns:a16="http://schemas.microsoft.com/office/drawing/2014/main" id="{54206936-BB7F-48D4-827D-5BC97CE13BB1}"/>
+              </a:ext>
+            </a:extLst>
+          </p:cNvPr>
+          <p:cNvSpPr>
+            <a:spLocks noGrp="1"/>
+          </p:cNvSpPr>
+          <p:nvPr>
+            <p:ph type="title"/>
+          </p:nvPr>
+        </p:nvSpPr>
+        <p:spPr>
+          <a:xfrm>
+            <a:off x="1179226" y="826680"/>
+            <a:ext cx="9833548" cy="1325563"/>
+          </a:xfrm>
+        </p:spPr>
+        <p:txBody>
+          <a:bodyPr>
+            <a:normAutofit/>
+          </a:bodyPr>
+          <a:lstStyle/>
+          <a:p>
+            <a:pPr algn="ctr"/>
+            <a:r>
+              <a:rPr lang="en-US" sz="4000" dirty="0">
+                <a:solidFill>
+                  <a:srgbClr val="FFFFFF"/>
+                </a:solidFill>
+              </a:rPr>
+              <a:t>Questions</a:t>
+            </a:r>
+          </a:p>
+        </p:txBody>
+      </p:sp>
+      <p:sp>
+        <p:nvSpPr>
+          <p:cNvPr id="3" name="Content Placeholder 2">
+            <a:extLst>
+              <a:ext uri="{FF2B5EF4-FFF2-40B4-BE49-F238E27FC236}">
+                <a16:creationId xmlns:a16="http://schemas.microsoft.com/office/drawing/2014/main" id="{1728C9CC-57C8-4FED-B322-AAE3DFDB8067}"/>
+              </a:ext>
+            </a:extLst>
+          </p:cNvPr>
+          <p:cNvSpPr>
+            <a:spLocks noGrp="1"/>
+          </p:cNvSpPr>
+          <p:nvPr>
+            <p:ph idx="1"/>
+          </p:nvPr>
+        </p:nvSpPr>
+        <p:spPr>
+          <a:xfrm>
+            <a:off x="1179226" y="3092970"/>
+            <a:ext cx="9833548" cy="2693976"/>
+          </a:xfrm>
+        </p:spPr>
+        <p:txBody>
+          <a:bodyPr>
+            <a:normAutofit/>
+          </a:bodyPr>
+          <a:lstStyle/>
+          <a:p>
+            <a:pPr algn="ctr">
               <a:buFont typeface="+mj-lt"/>
               <a:buAutoNum type="arabicPeriod"/>
             </a:pPr>
             <a:r>
-              <a:rPr lang="en-US" sz="1400" b="0" i="0" dirty="0">
+              <a:rPr lang="en-US" sz="2000" b="0" i="0" dirty="0">
                 <a:solidFill>
                   <a:srgbClr val="24292E"/>
                 </a:solidFill>
@@ -4072,44 +4359,12 @@
             </a:r>
           </a:p>
           <a:p>
-            <a:pPr algn="l">
-              <a:buFont typeface="Arial" panose="020B0604020202020204" pitchFamily="34" charset="0"/>
-              <a:buChar char="•"/>
-            </a:pPr>
-            <a:r>
-              <a:rPr lang="en-US" sz="1400" b="0" i="0" dirty="0">
-                <a:solidFill>
-                  <a:srgbClr val="24292E"/>
-                </a:solidFill>
-                <a:effectLst/>
-                <a:latin typeface="-apple-system"/>
-              </a:rPr>
-              <a:t>Alt: If the movie concussion had an effect on the NFL, then concussion injuries would go down during the 2016 season.</a:t>
-            </a:r>
-          </a:p>
-          <a:p>
-            <a:pPr algn="l">
-              <a:buFont typeface="Arial" panose="020B0604020202020204" pitchFamily="34" charset="0"/>
-              <a:buChar char="•"/>
-            </a:pPr>
-            <a:r>
-              <a:rPr lang="en-US" sz="1400" b="0" i="0" dirty="0">
-                <a:solidFill>
-                  <a:srgbClr val="24292E"/>
-                </a:solidFill>
-                <a:effectLst/>
-                <a:latin typeface="-apple-system"/>
-              </a:rPr>
-              <a:t>Null: If the movie concussion had no effect on the NFL, then concussion injuries would not go down during the 2016 season.</a:t>
-            </a:r>
-          </a:p>
-          <a:p>
-            <a:pPr algn="l">
+            <a:pPr algn="ctr">
               <a:buFont typeface="+mj-lt"/>
               <a:buAutoNum type="arabicPeriod" startAt="2"/>
             </a:pPr>
             <a:r>
-              <a:rPr lang="en-US" sz="1400" b="0" i="0" dirty="0">
+              <a:rPr lang="en-US" sz="2000" b="0" i="0" dirty="0">
                 <a:solidFill>
                   <a:srgbClr val="24292E"/>
                 </a:solidFill>
@@ -4120,44 +4375,12 @@
             </a:r>
           </a:p>
           <a:p>
-            <a:pPr algn="l">
-              <a:buFont typeface="Arial" panose="020B0604020202020204" pitchFamily="34" charset="0"/>
-              <a:buChar char="•"/>
-            </a:pPr>
-            <a:r>
-              <a:rPr lang="en-US" sz="1400" b="0" i="0" dirty="0">
-                <a:solidFill>
-                  <a:srgbClr val="24292E"/>
-                </a:solidFill>
-                <a:effectLst/>
-                <a:latin typeface="-apple-system"/>
-              </a:rPr>
-              <a:t>Alt: If injuries were affected by rule changes, then injuries would go down.</a:t>
-            </a:r>
-          </a:p>
-          <a:p>
-            <a:pPr algn="l">
-              <a:buFont typeface="Arial" panose="020B0604020202020204" pitchFamily="34" charset="0"/>
-              <a:buChar char="•"/>
-            </a:pPr>
-            <a:r>
-              <a:rPr lang="en-US" sz="1400" b="0" i="0" dirty="0">
-                <a:solidFill>
-                  <a:srgbClr val="24292E"/>
-                </a:solidFill>
-                <a:effectLst/>
-                <a:latin typeface="-apple-system"/>
-              </a:rPr>
-              <a:t>Null: If injuries were not affected by rule changes, then injuries would not go down.</a:t>
-            </a:r>
-          </a:p>
-          <a:p>
-            <a:pPr algn="l">
+            <a:pPr algn="ctr">
               <a:buFont typeface="+mj-lt"/>
               <a:buAutoNum type="arabicPeriod" startAt="3"/>
             </a:pPr>
             <a:r>
-              <a:rPr lang="en-US" sz="1400" b="0" i="0" dirty="0">
+              <a:rPr lang="en-US" sz="2000" b="0" i="0" dirty="0">
                 <a:solidFill>
                   <a:srgbClr val="24292E"/>
                 </a:solidFill>
@@ -4165,38 +4388,6 @@
                 <a:latin typeface="-apple-system"/>
               </a:rPr>
               <a:t>Is there a certain time of year that has more concussions occur?</a:t>
-            </a:r>
-          </a:p>
-          <a:p>
-            <a:pPr algn="l">
-              <a:buFont typeface="Arial" panose="020B0604020202020204" pitchFamily="34" charset="0"/>
-              <a:buChar char="•"/>
-            </a:pPr>
-            <a:r>
-              <a:rPr lang="en-US" sz="1400" b="0" i="0" dirty="0">
-                <a:solidFill>
-                  <a:srgbClr val="24292E"/>
-                </a:solidFill>
-                <a:effectLst/>
-                <a:latin typeface="-apple-system"/>
-              </a:rPr>
-              <a:t>Alt: If the time of year affects concussions, then there will be more concussions during a certain part of the season.</a:t>
-            </a:r>
-          </a:p>
-          <a:p>
-            <a:pPr algn="l">
-              <a:buFont typeface="Arial" panose="020B0604020202020204" pitchFamily="34" charset="0"/>
-              <a:buChar char="•"/>
-            </a:pPr>
-            <a:r>
-              <a:rPr lang="en-US" sz="1400" b="0" i="0" dirty="0">
-                <a:solidFill>
-                  <a:srgbClr val="24292E"/>
-                </a:solidFill>
-                <a:effectLst/>
-                <a:latin typeface="-apple-system"/>
-              </a:rPr>
-              <a:t>Null: If the time of year does not affect concussions, then there will not be more concussions during a certain part of the season.</a:t>
             </a:r>
           </a:p>
           <a:p>
@@ -5444,7 +5635,7 @@
             </a:pPr>
             <a:r>
               <a:rPr lang="en-US" dirty="0"/>
-              <a:t>Our Null hypothesis is true</a:t>
+              <a:t>The data supports the Null hypothesis</a:t>
             </a:r>
           </a:p>
           <a:p>
@@ -5473,6 +5664,607 @@
     <p:extLst>
       <p:ext uri="{BB962C8B-B14F-4D97-AF65-F5344CB8AC3E}">
         <p14:creationId xmlns:p14="http://schemas.microsoft.com/office/powerpoint/2010/main" val="2274192704"/>
+      </p:ext>
+    </p:extLst>
+  </p:cSld>
+  <p:clrMapOvr>
+    <a:masterClrMapping/>
+  </p:clrMapOvr>
+</p:sld>
+</file>
+
+<file path=ppt/slides/slide8.xml><?xml version="1.0" encoding="utf-8"?>
+<p:sld xmlns:a="http://schemas.openxmlformats.org/drawingml/2006/main" xmlns:r="http://schemas.openxmlformats.org/officeDocument/2006/relationships" xmlns:p="http://schemas.openxmlformats.org/presentationml/2006/main">
+  <p:cSld>
+    <p:bg>
+      <p:bgPr>
+        <a:solidFill>
+          <a:schemeClr val="bg1"/>
+        </a:solidFill>
+        <a:effectLst/>
+      </p:bgPr>
+    </p:bg>
+    <p:spTree>
+      <p:nvGrpSpPr>
+        <p:cNvPr id="1" name=""/>
+        <p:cNvGrpSpPr/>
+        <p:nvPr/>
+      </p:nvGrpSpPr>
+      <p:grpSpPr>
+        <a:xfrm>
+          <a:off x="0" y="0"/>
+          <a:ext cx="0" cy="0"/>
+          <a:chOff x="0" y="0"/>
+          <a:chExt cx="0" cy="0"/>
+        </a:xfrm>
+      </p:grpSpPr>
+      <p:sp>
+        <p:nvSpPr>
+          <p:cNvPr id="8" name="Rectangle 7">
+            <a:extLst>
+              <a:ext uri="{FF2B5EF4-FFF2-40B4-BE49-F238E27FC236}">
+                <a16:creationId xmlns:a16="http://schemas.microsoft.com/office/drawing/2014/main" id="{4351DFE5-F63D-4BE0-BDA9-E3EB88F01AA5}"/>
+              </a:ext>
+              <a:ext uri="{C183D7F6-B498-43B3-948B-1728B52AA6E4}">
+                <adec:decorative xmlns:adec="http://schemas.microsoft.com/office/drawing/2017/decorative" val="1"/>
+              </a:ext>
+            </a:extLst>
+          </p:cNvPr>
+          <p:cNvSpPr>
+            <a:spLocks noGrp="1" noRot="1" noChangeAspect="1" noMove="1" noResize="1" noEditPoints="1" noAdjustHandles="1" noChangeArrowheads="1" noChangeShapeType="1" noTextEdit="1"/>
+          </p:cNvSpPr>
+          <p:nvPr>
+            <p:extLst>
+              <p:ext uri="{386F3935-93C4-4BCD-93E2-E3B085C9AB24}">
+                <p16:designElem xmlns:p16="http://schemas.microsoft.com/office/powerpoint/2015/main" val="1"/>
+              </p:ext>
+            </p:extLst>
+          </p:nvPr>
+        </p:nvSpPr>
+        <p:spPr>
+          <a:xfrm>
+            <a:off x="355601" y="0"/>
+            <a:ext cx="11480494" cy="2753936"/>
+          </a:xfrm>
+          <a:prstGeom prst="rect">
+            <a:avLst/>
+          </a:prstGeom>
+          <a:gradFill>
+            <a:gsLst>
+              <a:gs pos="0">
+                <a:schemeClr val="accent1">
+                  <a:lumMod val="90000"/>
+                </a:schemeClr>
+              </a:gs>
+              <a:gs pos="25000">
+                <a:schemeClr val="accent1">
+                  <a:lumMod val="90000"/>
+                </a:schemeClr>
+              </a:gs>
+              <a:gs pos="94000">
+                <a:schemeClr val="bg2">
+                  <a:lumMod val="25000"/>
+                </a:schemeClr>
+              </a:gs>
+              <a:gs pos="100000">
+                <a:schemeClr val="bg2">
+                  <a:lumMod val="25000"/>
+                </a:schemeClr>
+              </a:gs>
+            </a:gsLst>
+            <a:lin ang="4200000" scaled="0"/>
+          </a:gradFill>
+          <a:ln>
+            <a:noFill/>
+          </a:ln>
+        </p:spPr>
+        <p:style>
+          <a:lnRef idx="2">
+            <a:schemeClr val="accent1">
+              <a:shade val="50000"/>
+            </a:schemeClr>
+          </a:lnRef>
+          <a:fillRef idx="1">
+            <a:schemeClr val="accent1"/>
+          </a:fillRef>
+          <a:effectRef idx="0">
+            <a:schemeClr val="accent1"/>
+          </a:effectRef>
+          <a:fontRef idx="minor">
+            <a:schemeClr val="lt1"/>
+          </a:fontRef>
+        </p:style>
+        <p:txBody>
+          <a:bodyPr rtlCol="0" anchor="ctr"/>
+          <a:lstStyle/>
+          <a:p>
+            <a:pPr algn="ctr"/>
+            <a:endParaRPr lang="en-US"/>
+          </a:p>
+        </p:txBody>
+      </p:sp>
+      <p:pic>
+        <p:nvPicPr>
+          <p:cNvPr id="10" name="Picture 9">
+            <a:extLst>
+              <a:ext uri="{FF2B5EF4-FFF2-40B4-BE49-F238E27FC236}">
+                <a16:creationId xmlns:a16="http://schemas.microsoft.com/office/drawing/2014/main" id="{3AA16612-ACD2-4A16-8F2B-4514FD6BF28F}"/>
+              </a:ext>
+              <a:ext uri="{C183D7F6-B498-43B3-948B-1728B52AA6E4}">
+                <adec:decorative xmlns:adec="http://schemas.microsoft.com/office/drawing/2017/decorative" val="1"/>
+              </a:ext>
+            </a:extLst>
+          </p:cNvPr>
+          <p:cNvPicPr>
+            <a:picLocks noGrp="1" noRot="1" noChangeAspect="1" noMove="1" noResize="1" noEditPoints="1" noAdjustHandles="1" noChangeArrowheads="1" noChangeShapeType="1" noCrop="1"/>
+          </p:cNvPicPr>
+          <p:nvPr>
+            <p:extLst>
+              <p:ext uri="{386F3935-93C4-4BCD-93E2-E3B085C9AB24}">
+                <p16:designElem xmlns:p16="http://schemas.microsoft.com/office/powerpoint/2015/main" val="1"/>
+              </p:ext>
+            </p:extLst>
+          </p:nvPr>
+        </p:nvPicPr>
+        <p:blipFill>
+          <a:blip r:embed="rId2">
+            <a:extLst>
+              <a:ext uri="{28A0092B-C50C-407E-A947-70E740481C1C}">
+                <a14:useLocalDpi xmlns:a14="http://schemas.microsoft.com/office/drawing/2010/main" val="0"/>
+              </a:ext>
+            </a:extLst>
+          </a:blip>
+          <a:stretch>
+            <a:fillRect/>
+          </a:stretch>
+        </p:blipFill>
+        <p:spPr>
+          <a:xfrm>
+            <a:off x="0" y="0"/>
+            <a:ext cx="12192000" cy="6858000"/>
+          </a:xfrm>
+          <a:prstGeom prst="rect">
+            <a:avLst/>
+          </a:prstGeom>
+        </p:spPr>
+      </p:pic>
+      <p:sp>
+        <p:nvSpPr>
+          <p:cNvPr id="2" name="Title 1">
+            <a:extLst>
+              <a:ext uri="{FF2B5EF4-FFF2-40B4-BE49-F238E27FC236}">
+                <a16:creationId xmlns:a16="http://schemas.microsoft.com/office/drawing/2014/main" id="{23F221A8-1670-4451-9180-D4F98B496DDB}"/>
+              </a:ext>
+            </a:extLst>
+          </p:cNvPr>
+          <p:cNvSpPr>
+            <a:spLocks noGrp="1"/>
+          </p:cNvSpPr>
+          <p:nvPr>
+            <p:ph type="title"/>
+          </p:nvPr>
+        </p:nvSpPr>
+        <p:spPr>
+          <a:xfrm>
+            <a:off x="1179226" y="826680"/>
+            <a:ext cx="9833548" cy="1325563"/>
+          </a:xfrm>
+        </p:spPr>
+        <p:txBody>
+          <a:bodyPr>
+            <a:normAutofit/>
+          </a:bodyPr>
+          <a:lstStyle/>
+          <a:p>
+            <a:pPr marR="0" lvl="0" algn="ctr" defTabSz="914400" rtl="0" eaLnBrk="1" fontAlgn="auto" latinLnBrk="0" hangingPunct="1">
+              <a:lnSpc>
+                <a:spcPct val="90000"/>
+              </a:lnSpc>
+              <a:spcBef>
+                <a:spcPts val="1000"/>
+              </a:spcBef>
+              <a:spcAft>
+                <a:spcPts val="0"/>
+              </a:spcAft>
+              <a:buClrTx/>
+              <a:buSzTx/>
+              <a:tabLst/>
+              <a:defRPr/>
+            </a:pPr>
+            <a:r>
+              <a:rPr lang="en-US" sz="4000" dirty="0">
+                <a:solidFill>
+                  <a:srgbClr val="FFFFFF"/>
+                </a:solidFill>
+              </a:rPr>
+              <a:t>Question 3</a:t>
+            </a:r>
+          </a:p>
+        </p:txBody>
+      </p:sp>
+      <p:sp>
+        <p:nvSpPr>
+          <p:cNvPr id="3" name="Content Placeholder 2">
+            <a:extLst>
+              <a:ext uri="{FF2B5EF4-FFF2-40B4-BE49-F238E27FC236}">
+                <a16:creationId xmlns:a16="http://schemas.microsoft.com/office/drawing/2014/main" id="{3AA4323E-B417-4B90-B96E-9BC5A62356DD}"/>
+              </a:ext>
+            </a:extLst>
+          </p:cNvPr>
+          <p:cNvSpPr>
+            <a:spLocks noGrp="1"/>
+          </p:cNvSpPr>
+          <p:nvPr>
+            <p:ph idx="1"/>
+          </p:nvPr>
+        </p:nvSpPr>
+        <p:spPr>
+          <a:xfrm>
+            <a:off x="1179226" y="3092970"/>
+            <a:ext cx="9833548" cy="2693976"/>
+          </a:xfrm>
+        </p:spPr>
+        <p:txBody>
+          <a:bodyPr>
+            <a:normAutofit/>
+          </a:bodyPr>
+          <a:lstStyle/>
+          <a:p>
+            <a:r>
+              <a:rPr lang="en-US" sz="2000" b="0" i="0" dirty="0">
+                <a:solidFill>
+                  <a:srgbClr val="24292E"/>
+                </a:solidFill>
+                <a:effectLst/>
+                <a:latin typeface="-apple-system"/>
+              </a:rPr>
+              <a:t>Is there a certain time of year that has more concussions occur?</a:t>
+            </a:r>
+          </a:p>
+          <a:p>
+            <a:pPr algn="l">
+              <a:buFont typeface="Arial" panose="020B0604020202020204" pitchFamily="34" charset="0"/>
+              <a:buChar char="•"/>
+            </a:pPr>
+            <a:r>
+              <a:rPr lang="en-US" sz="2000" b="0" i="0" dirty="0">
+                <a:solidFill>
+                  <a:srgbClr val="24292E"/>
+                </a:solidFill>
+                <a:effectLst/>
+                <a:latin typeface="-apple-system"/>
+              </a:rPr>
+              <a:t>Alt: If the time of year affects concussions, then there will be more concussions during a certain part of the season.</a:t>
+            </a:r>
+          </a:p>
+          <a:p>
+            <a:pPr algn="l">
+              <a:buFont typeface="Arial" panose="020B0604020202020204" pitchFamily="34" charset="0"/>
+              <a:buChar char="•"/>
+            </a:pPr>
+            <a:r>
+              <a:rPr lang="en-US" sz="2000" b="0" i="0" dirty="0">
+                <a:solidFill>
+                  <a:srgbClr val="24292E"/>
+                </a:solidFill>
+                <a:effectLst/>
+                <a:latin typeface="-apple-system"/>
+              </a:rPr>
+              <a:t>Null: If the time of year does not affect concussions, then there will not be more concussions during a certain part of the season.</a:t>
+            </a:r>
+          </a:p>
+          <a:p>
+            <a:pPr algn="l">
+              <a:buFont typeface="Arial" panose="020B0604020202020204" pitchFamily="34" charset="0"/>
+              <a:buChar char="•"/>
+            </a:pPr>
+            <a:r>
+              <a:rPr lang="en-US" sz="2000" dirty="0">
+                <a:solidFill>
+                  <a:srgbClr val="24292E"/>
+                </a:solidFill>
+                <a:latin typeface="-apple-system"/>
+              </a:rPr>
+              <a:t>T Test=  3.215721636354374</a:t>
+            </a:r>
+          </a:p>
+          <a:p>
+            <a:pPr algn="l">
+              <a:buFont typeface="Arial" panose="020B0604020202020204" pitchFamily="34" charset="0"/>
+              <a:buChar char="•"/>
+            </a:pPr>
+            <a:r>
+              <a:rPr lang="en-US" sz="2000" b="0" i="0" dirty="0" err="1">
+                <a:solidFill>
+                  <a:srgbClr val="24292E"/>
+                </a:solidFill>
+                <a:effectLst/>
+                <a:latin typeface="-apple-system"/>
+              </a:rPr>
+              <a:t>Pvalue</a:t>
+            </a:r>
+            <a:r>
+              <a:rPr lang="en-US" sz="2000" b="0" i="0" dirty="0">
+                <a:solidFill>
+                  <a:srgbClr val="24292E"/>
+                </a:solidFill>
+                <a:effectLst/>
+                <a:latin typeface="-apple-system"/>
+              </a:rPr>
+              <a:t>= 0.00019897702695319134</a:t>
+            </a:r>
+          </a:p>
+          <a:p>
+            <a:pPr marL="0" indent="0">
+              <a:buNone/>
+            </a:pPr>
+            <a:endParaRPr lang="en-US" sz="2000" dirty="0">
+              <a:solidFill>
+                <a:srgbClr val="000000"/>
+              </a:solidFill>
+            </a:endParaRPr>
+          </a:p>
+        </p:txBody>
+      </p:sp>
+    </p:spTree>
+    <p:extLst>
+      <p:ext uri="{BB962C8B-B14F-4D97-AF65-F5344CB8AC3E}">
+        <p14:creationId xmlns:p14="http://schemas.microsoft.com/office/powerpoint/2010/main" val="2152812155"/>
+      </p:ext>
+    </p:extLst>
+  </p:cSld>
+  <p:clrMapOvr>
+    <a:masterClrMapping/>
+  </p:clrMapOvr>
+</p:sld>
+</file>
+
+<file path=ppt/slides/slide9.xml><?xml version="1.0" encoding="utf-8"?>
+<p:sld xmlns:a="http://schemas.openxmlformats.org/drawingml/2006/main" xmlns:r="http://schemas.openxmlformats.org/officeDocument/2006/relationships" xmlns:p="http://schemas.openxmlformats.org/presentationml/2006/main">
+  <p:cSld>
+    <p:bg>
+      <p:bgPr>
+        <a:solidFill>
+          <a:schemeClr val="bg1"/>
+        </a:solidFill>
+        <a:effectLst/>
+      </p:bgPr>
+    </p:bg>
+    <p:spTree>
+      <p:nvGrpSpPr>
+        <p:cNvPr id="1" name=""/>
+        <p:cNvGrpSpPr/>
+        <p:nvPr/>
+      </p:nvGrpSpPr>
+      <p:grpSpPr>
+        <a:xfrm>
+          <a:off x="0" y="0"/>
+          <a:ext cx="0" cy="0"/>
+          <a:chOff x="0" y="0"/>
+          <a:chExt cx="0" cy="0"/>
+        </a:xfrm>
+      </p:grpSpPr>
+      <p:sp>
+        <p:nvSpPr>
+          <p:cNvPr id="17" name="Rectangle 16">
+            <a:extLst>
+              <a:ext uri="{FF2B5EF4-FFF2-40B4-BE49-F238E27FC236}">
+                <a16:creationId xmlns:a16="http://schemas.microsoft.com/office/drawing/2014/main" id="{4351DFE5-F63D-4BE0-BDA9-E3EB88F01AA5}"/>
+              </a:ext>
+              <a:ext uri="{C183D7F6-B498-43B3-948B-1728B52AA6E4}">
+                <adec:decorative xmlns:adec="http://schemas.microsoft.com/office/drawing/2017/decorative" val="1"/>
+              </a:ext>
+            </a:extLst>
+          </p:cNvPr>
+          <p:cNvSpPr>
+            <a:spLocks noGrp="1" noRot="1" noChangeAspect="1" noMove="1" noResize="1" noEditPoints="1" noAdjustHandles="1" noChangeArrowheads="1" noChangeShapeType="1" noTextEdit="1"/>
+          </p:cNvSpPr>
+          <p:nvPr>
+            <p:extLst>
+              <p:ext uri="{386F3935-93C4-4BCD-93E2-E3B085C9AB24}">
+                <p16:designElem xmlns:p16="http://schemas.microsoft.com/office/powerpoint/2015/main" val="1"/>
+              </p:ext>
+            </p:extLst>
+          </p:nvPr>
+        </p:nvSpPr>
+        <p:spPr>
+          <a:xfrm>
+            <a:off x="355601" y="0"/>
+            <a:ext cx="11480494" cy="2753936"/>
+          </a:xfrm>
+          <a:prstGeom prst="rect">
+            <a:avLst/>
+          </a:prstGeom>
+          <a:gradFill>
+            <a:gsLst>
+              <a:gs pos="0">
+                <a:schemeClr val="accent1">
+                  <a:lumMod val="90000"/>
+                </a:schemeClr>
+              </a:gs>
+              <a:gs pos="25000">
+                <a:schemeClr val="accent1">
+                  <a:lumMod val="90000"/>
+                </a:schemeClr>
+              </a:gs>
+              <a:gs pos="94000">
+                <a:schemeClr val="bg2">
+                  <a:lumMod val="25000"/>
+                </a:schemeClr>
+              </a:gs>
+              <a:gs pos="100000">
+                <a:schemeClr val="bg2">
+                  <a:lumMod val="25000"/>
+                </a:schemeClr>
+              </a:gs>
+            </a:gsLst>
+            <a:lin ang="4200000" scaled="0"/>
+          </a:gradFill>
+          <a:ln>
+            <a:noFill/>
+          </a:ln>
+        </p:spPr>
+        <p:style>
+          <a:lnRef idx="2">
+            <a:schemeClr val="accent1">
+              <a:shade val="50000"/>
+            </a:schemeClr>
+          </a:lnRef>
+          <a:fillRef idx="1">
+            <a:schemeClr val="accent1"/>
+          </a:fillRef>
+          <a:effectRef idx="0">
+            <a:schemeClr val="accent1"/>
+          </a:effectRef>
+          <a:fontRef idx="minor">
+            <a:schemeClr val="lt1"/>
+          </a:fontRef>
+        </p:style>
+        <p:txBody>
+          <a:bodyPr rtlCol="0" anchor="ctr"/>
+          <a:lstStyle/>
+          <a:p>
+            <a:pPr algn="ctr"/>
+            <a:endParaRPr lang="en-US"/>
+          </a:p>
+        </p:txBody>
+      </p:sp>
+      <p:pic>
+        <p:nvPicPr>
+          <p:cNvPr id="19" name="Picture 18">
+            <a:extLst>
+              <a:ext uri="{FF2B5EF4-FFF2-40B4-BE49-F238E27FC236}">
+                <a16:creationId xmlns:a16="http://schemas.microsoft.com/office/drawing/2014/main" id="{3AA16612-ACD2-4A16-8F2B-4514FD6BF28F}"/>
+              </a:ext>
+              <a:ext uri="{C183D7F6-B498-43B3-948B-1728B52AA6E4}">
+                <adec:decorative xmlns:adec="http://schemas.microsoft.com/office/drawing/2017/decorative" val="1"/>
+              </a:ext>
+            </a:extLst>
+          </p:cNvPr>
+          <p:cNvPicPr>
+            <a:picLocks noGrp="1" noRot="1" noChangeAspect="1" noMove="1" noResize="1" noEditPoints="1" noAdjustHandles="1" noChangeArrowheads="1" noChangeShapeType="1" noCrop="1"/>
+          </p:cNvPicPr>
+          <p:nvPr>
+            <p:extLst>
+              <p:ext uri="{386F3935-93C4-4BCD-93E2-E3B085C9AB24}">
+                <p16:designElem xmlns:p16="http://schemas.microsoft.com/office/powerpoint/2015/main" val="1"/>
+              </p:ext>
+            </p:extLst>
+          </p:nvPr>
+        </p:nvPicPr>
+        <p:blipFill>
+          <a:blip r:embed="rId2">
+            <a:extLst>
+              <a:ext uri="{28A0092B-C50C-407E-A947-70E740481C1C}">
+                <a14:useLocalDpi xmlns:a14="http://schemas.microsoft.com/office/drawing/2010/main" val="0"/>
+              </a:ext>
+            </a:extLst>
+          </a:blip>
+          <a:stretch>
+            <a:fillRect/>
+          </a:stretch>
+        </p:blipFill>
+        <p:spPr>
+          <a:xfrm>
+            <a:off x="0" y="0"/>
+            <a:ext cx="12192000" cy="6858000"/>
+          </a:xfrm>
+          <a:prstGeom prst="rect">
+            <a:avLst/>
+          </a:prstGeom>
+        </p:spPr>
+      </p:pic>
+      <p:sp>
+        <p:nvSpPr>
+          <p:cNvPr id="10" name="Title 9">
+            <a:extLst>
+              <a:ext uri="{FF2B5EF4-FFF2-40B4-BE49-F238E27FC236}">
+                <a16:creationId xmlns:a16="http://schemas.microsoft.com/office/drawing/2014/main" id="{3526F5F4-3C84-4A1F-801F-564C06D3327D}"/>
+              </a:ext>
+            </a:extLst>
+          </p:cNvPr>
+          <p:cNvSpPr>
+            <a:spLocks noGrp="1"/>
+          </p:cNvSpPr>
+          <p:nvPr>
+            <p:ph type="title"/>
+          </p:nvPr>
+        </p:nvSpPr>
+        <p:spPr>
+          <a:xfrm>
+            <a:off x="1179226" y="826680"/>
+            <a:ext cx="9833548" cy="1325563"/>
+          </a:xfrm>
+        </p:spPr>
+        <p:txBody>
+          <a:bodyPr>
+            <a:normAutofit/>
+          </a:bodyPr>
+          <a:lstStyle/>
+          <a:p>
+            <a:pPr algn="ctr"/>
+            <a:r>
+              <a:rPr lang="en-US" sz="4000" dirty="0">
+                <a:solidFill>
+                  <a:srgbClr val="FFFFFF"/>
+                </a:solidFill>
+              </a:rPr>
+              <a:t>Graphics Q3</a:t>
+            </a:r>
+          </a:p>
+        </p:txBody>
+      </p:sp>
+      <p:pic>
+        <p:nvPicPr>
+          <p:cNvPr id="3" name="Picture 2">
+            <a:extLst>
+              <a:ext uri="{FF2B5EF4-FFF2-40B4-BE49-F238E27FC236}">
+                <a16:creationId xmlns:a16="http://schemas.microsoft.com/office/drawing/2014/main" id="{F772D109-1384-403A-8BAA-5FF555402916}"/>
+              </a:ext>
+            </a:extLst>
+          </p:cNvPr>
+          <p:cNvPicPr>
+            <a:picLocks noChangeAspect="1" noChangeArrowheads="1"/>
+          </p:cNvPicPr>
+          <p:nvPr/>
+        </p:nvPicPr>
+        <p:blipFill>
+          <a:blip r:embed="rId3">
+            <a:extLst>
+              <a:ext uri="{28A0092B-C50C-407E-A947-70E740481C1C}">
+                <a14:useLocalDpi xmlns:a14="http://schemas.microsoft.com/office/drawing/2010/main" val="0"/>
+              </a:ext>
+            </a:extLst>
+          </a:blip>
+          <a:srcRect/>
+          <a:stretch>
+            <a:fillRect/>
+          </a:stretch>
+        </p:blipFill>
+        <p:spPr bwMode="auto">
+          <a:xfrm>
+            <a:off x="912798" y="2531165"/>
+            <a:ext cx="10366099" cy="3805777"/>
+          </a:xfrm>
+          <a:prstGeom prst="rect">
+            <a:avLst/>
+          </a:prstGeom>
+          <a:noFill/>
+          <a:extLst>
+            <a:ext uri="{909E8E84-426E-40DD-AFC4-6F175D3DCCD1}">
+              <a14:hiddenFill xmlns:a14="http://schemas.microsoft.com/office/drawing/2010/main">
+                <a:solidFill>
+                  <a:srgbClr val="FFFFFF"/>
+                </a:solidFill>
+              </a14:hiddenFill>
+            </a:ext>
+          </a:extLst>
+        </p:spPr>
+      </p:pic>
+    </p:spTree>
+    <p:extLst>
+      <p:ext uri="{BB962C8B-B14F-4D97-AF65-F5344CB8AC3E}">
+        <p14:creationId xmlns:p14="http://schemas.microsoft.com/office/powerpoint/2010/main" val="1316218819"/>
       </p:ext>
     </p:extLst>
   </p:cSld>

--- a/Concussions in the NFL.pptx
+++ b/Concussions in the NFL.pptx
@@ -12,9 +12,12 @@
     <p:sldId id="260" r:id="rId6"/>
     <p:sldId id="261" r:id="rId7"/>
     <p:sldId id="262" r:id="rId8"/>
-    <p:sldId id="263" r:id="rId9"/>
-    <p:sldId id="264" r:id="rId10"/>
-    <p:sldId id="265" r:id="rId11"/>
+    <p:sldId id="266" r:id="rId9"/>
+    <p:sldId id="267" r:id="rId10"/>
+    <p:sldId id="268" r:id="rId11"/>
+    <p:sldId id="263" r:id="rId12"/>
+    <p:sldId id="264" r:id="rId13"/>
+    <p:sldId id="265" r:id="rId14"/>
   </p:sldIdLst>
   <p:sldSz cx="12192000" cy="6858000"/>
   <p:notesSz cx="6858000" cy="9144000"/>
@@ -280,7 +283,7 @@
           <a:p>
             <a:fld id="{17BDACBA-FEFB-4B09-B122-B726D4C1B49C}" type="datetimeFigureOut">
               <a:rPr lang="en-US" smtClean="0"/>
-              <a:t>10/26/2020</a:t>
+              <a:t>10/26/20</a:t>
             </a:fld>
             <a:endParaRPr lang="en-US" dirty="0"/>
           </a:p>
@@ -478,7 +481,7 @@
           <a:p>
             <a:fld id="{17BDACBA-FEFB-4B09-B122-B726D4C1B49C}" type="datetimeFigureOut">
               <a:rPr lang="en-US" smtClean="0"/>
-              <a:t>10/26/2020</a:t>
+              <a:t>10/26/20</a:t>
             </a:fld>
             <a:endParaRPr lang="en-US" dirty="0"/>
           </a:p>
@@ -686,7 +689,7 @@
           <a:p>
             <a:fld id="{17BDACBA-FEFB-4B09-B122-B726D4C1B49C}" type="datetimeFigureOut">
               <a:rPr lang="en-US" smtClean="0"/>
-              <a:t>10/26/2020</a:t>
+              <a:t>10/26/20</a:t>
             </a:fld>
             <a:endParaRPr lang="en-US" dirty="0"/>
           </a:p>
@@ -884,7 +887,7 @@
           <a:p>
             <a:fld id="{17BDACBA-FEFB-4B09-B122-B726D4C1B49C}" type="datetimeFigureOut">
               <a:rPr lang="en-US" smtClean="0"/>
-              <a:t>10/26/2020</a:t>
+              <a:t>10/26/20</a:t>
             </a:fld>
             <a:endParaRPr lang="en-US" dirty="0"/>
           </a:p>
@@ -1159,7 +1162,7 @@
           <a:p>
             <a:fld id="{17BDACBA-FEFB-4B09-B122-B726D4C1B49C}" type="datetimeFigureOut">
               <a:rPr lang="en-US" smtClean="0"/>
-              <a:t>10/26/2020</a:t>
+              <a:t>10/26/20</a:t>
             </a:fld>
             <a:endParaRPr lang="en-US" dirty="0"/>
           </a:p>
@@ -1424,7 +1427,7 @@
           <a:p>
             <a:fld id="{17BDACBA-FEFB-4B09-B122-B726D4C1B49C}" type="datetimeFigureOut">
               <a:rPr lang="en-US" smtClean="0"/>
-              <a:t>10/26/2020</a:t>
+              <a:t>10/26/20</a:t>
             </a:fld>
             <a:endParaRPr lang="en-US" dirty="0"/>
           </a:p>
@@ -1836,7 +1839,7 @@
           <a:p>
             <a:fld id="{17BDACBA-FEFB-4B09-B122-B726D4C1B49C}" type="datetimeFigureOut">
               <a:rPr lang="en-US" smtClean="0"/>
-              <a:t>10/26/2020</a:t>
+              <a:t>10/26/20</a:t>
             </a:fld>
             <a:endParaRPr lang="en-US" dirty="0"/>
           </a:p>
@@ -1977,7 +1980,7 @@
           <a:p>
             <a:fld id="{17BDACBA-FEFB-4B09-B122-B726D4C1B49C}" type="datetimeFigureOut">
               <a:rPr lang="en-US" smtClean="0"/>
-              <a:t>10/26/2020</a:t>
+              <a:t>10/26/20</a:t>
             </a:fld>
             <a:endParaRPr lang="en-US" dirty="0"/>
           </a:p>
@@ -2090,7 +2093,7 @@
           <a:p>
             <a:fld id="{17BDACBA-FEFB-4B09-B122-B726D4C1B49C}" type="datetimeFigureOut">
               <a:rPr lang="en-US" smtClean="0"/>
-              <a:t>10/26/2020</a:t>
+              <a:t>10/26/20</a:t>
             </a:fld>
             <a:endParaRPr lang="en-US" dirty="0"/>
           </a:p>
@@ -2401,7 +2404,7 @@
           <a:p>
             <a:fld id="{17BDACBA-FEFB-4B09-B122-B726D4C1B49C}" type="datetimeFigureOut">
               <a:rPr lang="en-US" smtClean="0"/>
-              <a:t>10/26/2020</a:t>
+              <a:t>10/26/20</a:t>
             </a:fld>
             <a:endParaRPr lang="en-US" dirty="0"/>
           </a:p>
@@ -2689,7 +2692,7 @@
           <a:p>
             <a:fld id="{17BDACBA-FEFB-4B09-B122-B726D4C1B49C}" type="datetimeFigureOut">
               <a:rPr lang="en-US" smtClean="0"/>
-              <a:t>10/26/2020</a:t>
+              <a:t>10/26/20</a:t>
             </a:fld>
             <a:endParaRPr lang="en-US" dirty="0"/>
           </a:p>
@@ -2930,7 +2933,7 @@
           <a:p>
             <a:fld id="{17BDACBA-FEFB-4B09-B122-B726D4C1B49C}" type="datetimeFigureOut">
               <a:rPr lang="en-US" smtClean="0"/>
-              <a:t>10/26/2020</a:t>
+              <a:t>10/26/20</a:t>
             </a:fld>
             <a:endParaRPr lang="en-US" dirty="0"/>
           </a:p>
@@ -3746,6 +3749,934 @@
           <p:cNvPr id="2" name="Title 1">
             <a:extLst>
               <a:ext uri="{FF2B5EF4-FFF2-40B4-BE49-F238E27FC236}">
+                <a16:creationId xmlns:a16="http://schemas.microsoft.com/office/drawing/2014/main" id="{23F221A8-1670-4451-9180-D4F98B496DDB}"/>
+              </a:ext>
+            </a:extLst>
+          </p:cNvPr>
+          <p:cNvSpPr>
+            <a:spLocks noGrp="1"/>
+          </p:cNvSpPr>
+          <p:nvPr>
+            <p:ph type="title"/>
+          </p:nvPr>
+        </p:nvSpPr>
+        <p:spPr>
+          <a:xfrm>
+            <a:off x="1179226" y="826680"/>
+            <a:ext cx="9833548" cy="1325563"/>
+          </a:xfrm>
+        </p:spPr>
+        <p:txBody>
+          <a:bodyPr>
+            <a:normAutofit/>
+          </a:bodyPr>
+          <a:lstStyle/>
+          <a:p>
+            <a:pPr marR="0" lvl="0" algn="ctr" defTabSz="914400" rtl="0" eaLnBrk="1" fontAlgn="auto" latinLnBrk="0" hangingPunct="1">
+              <a:lnSpc>
+                <a:spcPct val="90000"/>
+              </a:lnSpc>
+              <a:spcBef>
+                <a:spcPts val="1000"/>
+              </a:spcBef>
+              <a:spcAft>
+                <a:spcPts val="0"/>
+              </a:spcAft>
+              <a:buClrTx/>
+              <a:buSzTx/>
+              <a:tabLst/>
+              <a:defRPr/>
+            </a:pPr>
+            <a:r>
+              <a:rPr lang="en-US" sz="4000" dirty="0">
+                <a:solidFill>
+                  <a:srgbClr val="FFFFFF"/>
+                </a:solidFill>
+              </a:rPr>
+              <a:t>Question 2</a:t>
+            </a:r>
+          </a:p>
+        </p:txBody>
+      </p:sp>
+      <p:sp>
+        <p:nvSpPr>
+          <p:cNvPr id="6" name="TextBox 5">
+            <a:extLst>
+              <a:ext uri="{FF2B5EF4-FFF2-40B4-BE49-F238E27FC236}">
+                <a16:creationId xmlns:a16="http://schemas.microsoft.com/office/drawing/2014/main" id="{050CA433-B61A-114E-A358-EE5D2F4032AF}"/>
+              </a:ext>
+            </a:extLst>
+          </p:cNvPr>
+          <p:cNvSpPr txBox="1"/>
+          <p:nvPr/>
+        </p:nvSpPr>
+        <p:spPr>
+          <a:xfrm>
+            <a:off x="1085222" y="3265714"/>
+            <a:ext cx="4461468" cy="1754326"/>
+          </a:xfrm>
+          <a:prstGeom prst="rect">
+            <a:avLst/>
+          </a:prstGeom>
+          <a:noFill/>
+        </p:spPr>
+        <p:txBody>
+          <a:bodyPr wrap="square" rtlCol="0">
+            <a:spAutoFit/>
+          </a:bodyPr>
+          <a:lstStyle/>
+          <a:p>
+            <a:pPr marL="285750" indent="-285750">
+              <a:buFont typeface="Arial" panose="020B0604020202020204" pitchFamily="34" charset="0"/>
+              <a:buChar char="•"/>
+            </a:pPr>
+            <a:r>
+              <a:rPr lang="en-US" dirty="0"/>
+              <a:t>Concussions went down in 2018 compared to the recent two years once new targeting rules were implemented</a:t>
+            </a:r>
+          </a:p>
+          <a:p>
+            <a:pPr marL="285750" indent="-285750">
+              <a:buFont typeface="Arial" panose="020B0604020202020204" pitchFamily="34" charset="0"/>
+              <a:buChar char="•"/>
+            </a:pPr>
+            <a:endParaRPr lang="en-US" dirty="0"/>
+          </a:p>
+          <a:p>
+            <a:pPr marL="285750" indent="-285750">
+              <a:buFont typeface="Arial" panose="020B0604020202020204" pitchFamily="34" charset="0"/>
+              <a:buChar char="•"/>
+            </a:pPr>
+            <a:r>
+              <a:rPr lang="en-US" dirty="0"/>
+              <a:t>T-test: -0.618379</a:t>
+            </a:r>
+          </a:p>
+          <a:p>
+            <a:pPr marL="285750" indent="-285750">
+              <a:buFont typeface="Arial" panose="020B0604020202020204" pitchFamily="34" charset="0"/>
+              <a:buChar char="•"/>
+            </a:pPr>
+            <a:r>
+              <a:rPr lang="en-US" dirty="0" err="1"/>
+              <a:t>Pvalue</a:t>
+            </a:r>
+            <a:r>
+              <a:rPr lang="en-US" dirty="0"/>
+              <a:t>: 0.56340387</a:t>
+            </a:r>
+          </a:p>
+        </p:txBody>
+      </p:sp>
+      <p:pic>
+        <p:nvPicPr>
+          <p:cNvPr id="14" name="Content Placeholder 13">
+            <a:extLst>
+              <a:ext uri="{FF2B5EF4-FFF2-40B4-BE49-F238E27FC236}">
+                <a16:creationId xmlns:a16="http://schemas.microsoft.com/office/drawing/2014/main" id="{D9A83CB2-C7E1-F949-98BD-E8E46B2414E6}"/>
+              </a:ext>
+            </a:extLst>
+          </p:cNvPr>
+          <p:cNvPicPr>
+            <a:picLocks noGrp="1" noChangeAspect="1"/>
+          </p:cNvPicPr>
+          <p:nvPr>
+            <p:ph idx="1"/>
+          </p:nvPr>
+        </p:nvPicPr>
+        <p:blipFill>
+          <a:blip r:embed="rId3">
+            <a:extLst>
+              <a:ext uri="{28A0092B-C50C-407E-A947-70E740481C1C}">
+                <a14:useLocalDpi xmlns:a14="http://schemas.microsoft.com/office/drawing/2010/main" val="0"/>
+              </a:ext>
+            </a:extLst>
+          </a:blip>
+          <a:stretch>
+            <a:fillRect/>
+          </a:stretch>
+        </p:blipFill>
+        <p:spPr>
+          <a:xfrm>
+            <a:off x="6095848" y="2977168"/>
+            <a:ext cx="5486400" cy="3657600"/>
+          </a:xfrm>
+        </p:spPr>
+      </p:pic>
+    </p:spTree>
+    <p:extLst>
+      <p:ext uri="{BB962C8B-B14F-4D97-AF65-F5344CB8AC3E}">
+        <p14:creationId xmlns:p14="http://schemas.microsoft.com/office/powerpoint/2010/main" val="39522343"/>
+      </p:ext>
+    </p:extLst>
+  </p:cSld>
+  <p:clrMapOvr>
+    <a:masterClrMapping/>
+  </p:clrMapOvr>
+</p:sld>
+</file>
+
+<file path=ppt/slides/slide11.xml><?xml version="1.0" encoding="utf-8"?>
+<p:sld xmlns:a="http://schemas.openxmlformats.org/drawingml/2006/main" xmlns:r="http://schemas.openxmlformats.org/officeDocument/2006/relationships" xmlns:p="http://schemas.openxmlformats.org/presentationml/2006/main">
+  <p:cSld>
+    <p:bg>
+      <p:bgPr>
+        <a:solidFill>
+          <a:schemeClr val="bg1"/>
+        </a:solidFill>
+        <a:effectLst/>
+      </p:bgPr>
+    </p:bg>
+    <p:spTree>
+      <p:nvGrpSpPr>
+        <p:cNvPr id="1" name=""/>
+        <p:cNvGrpSpPr/>
+        <p:nvPr/>
+      </p:nvGrpSpPr>
+      <p:grpSpPr>
+        <a:xfrm>
+          <a:off x="0" y="0"/>
+          <a:ext cx="0" cy="0"/>
+          <a:chOff x="0" y="0"/>
+          <a:chExt cx="0" cy="0"/>
+        </a:xfrm>
+      </p:grpSpPr>
+      <p:sp>
+        <p:nvSpPr>
+          <p:cNvPr id="8" name="Rectangle 7">
+            <a:extLst>
+              <a:ext uri="{FF2B5EF4-FFF2-40B4-BE49-F238E27FC236}">
+                <a16:creationId xmlns:a16="http://schemas.microsoft.com/office/drawing/2014/main" id="{4351DFE5-F63D-4BE0-BDA9-E3EB88F01AA5}"/>
+              </a:ext>
+              <a:ext uri="{C183D7F6-B498-43B3-948B-1728B52AA6E4}">
+                <adec:decorative xmlns:adec="http://schemas.microsoft.com/office/drawing/2017/decorative" val="1"/>
+              </a:ext>
+            </a:extLst>
+          </p:cNvPr>
+          <p:cNvSpPr>
+            <a:spLocks noGrp="1" noRot="1" noChangeAspect="1" noMove="1" noResize="1" noEditPoints="1" noAdjustHandles="1" noChangeArrowheads="1" noChangeShapeType="1" noTextEdit="1"/>
+          </p:cNvSpPr>
+          <p:nvPr>
+            <p:extLst>
+              <p:ext uri="{386F3935-93C4-4BCD-93E2-E3B085C9AB24}">
+                <p16:designElem xmlns:p16="http://schemas.microsoft.com/office/powerpoint/2015/main" val="1"/>
+              </p:ext>
+            </p:extLst>
+          </p:nvPr>
+        </p:nvSpPr>
+        <p:spPr>
+          <a:xfrm>
+            <a:off x="355601" y="0"/>
+            <a:ext cx="11480494" cy="2753936"/>
+          </a:xfrm>
+          <a:prstGeom prst="rect">
+            <a:avLst/>
+          </a:prstGeom>
+          <a:gradFill>
+            <a:gsLst>
+              <a:gs pos="0">
+                <a:schemeClr val="accent1">
+                  <a:lumMod val="90000"/>
+                </a:schemeClr>
+              </a:gs>
+              <a:gs pos="25000">
+                <a:schemeClr val="accent1">
+                  <a:lumMod val="90000"/>
+                </a:schemeClr>
+              </a:gs>
+              <a:gs pos="94000">
+                <a:schemeClr val="bg2">
+                  <a:lumMod val="25000"/>
+                </a:schemeClr>
+              </a:gs>
+              <a:gs pos="100000">
+                <a:schemeClr val="bg2">
+                  <a:lumMod val="25000"/>
+                </a:schemeClr>
+              </a:gs>
+            </a:gsLst>
+            <a:lin ang="4200000" scaled="0"/>
+          </a:gradFill>
+          <a:ln>
+            <a:noFill/>
+          </a:ln>
+        </p:spPr>
+        <p:style>
+          <a:lnRef idx="2">
+            <a:schemeClr val="accent1">
+              <a:shade val="50000"/>
+            </a:schemeClr>
+          </a:lnRef>
+          <a:fillRef idx="1">
+            <a:schemeClr val="accent1"/>
+          </a:fillRef>
+          <a:effectRef idx="0">
+            <a:schemeClr val="accent1"/>
+          </a:effectRef>
+          <a:fontRef idx="minor">
+            <a:schemeClr val="lt1"/>
+          </a:fontRef>
+        </p:style>
+        <p:txBody>
+          <a:bodyPr rtlCol="0" anchor="ctr"/>
+          <a:lstStyle/>
+          <a:p>
+            <a:pPr algn="ctr"/>
+            <a:endParaRPr lang="en-US"/>
+          </a:p>
+        </p:txBody>
+      </p:sp>
+      <p:pic>
+        <p:nvPicPr>
+          <p:cNvPr id="10" name="Picture 9">
+            <a:extLst>
+              <a:ext uri="{FF2B5EF4-FFF2-40B4-BE49-F238E27FC236}">
+                <a16:creationId xmlns:a16="http://schemas.microsoft.com/office/drawing/2014/main" id="{3AA16612-ACD2-4A16-8F2B-4514FD6BF28F}"/>
+              </a:ext>
+              <a:ext uri="{C183D7F6-B498-43B3-948B-1728B52AA6E4}">
+                <adec:decorative xmlns:adec="http://schemas.microsoft.com/office/drawing/2017/decorative" val="1"/>
+              </a:ext>
+            </a:extLst>
+          </p:cNvPr>
+          <p:cNvPicPr>
+            <a:picLocks noGrp="1" noRot="1" noChangeAspect="1" noMove="1" noResize="1" noEditPoints="1" noAdjustHandles="1" noChangeArrowheads="1" noChangeShapeType="1" noCrop="1"/>
+          </p:cNvPicPr>
+          <p:nvPr>
+            <p:extLst>
+              <p:ext uri="{386F3935-93C4-4BCD-93E2-E3B085C9AB24}">
+                <p16:designElem xmlns:p16="http://schemas.microsoft.com/office/powerpoint/2015/main" val="1"/>
+              </p:ext>
+            </p:extLst>
+          </p:nvPr>
+        </p:nvPicPr>
+        <p:blipFill>
+          <a:blip r:embed="rId2">
+            <a:extLst>
+              <a:ext uri="{28A0092B-C50C-407E-A947-70E740481C1C}">
+                <a14:useLocalDpi xmlns:a14="http://schemas.microsoft.com/office/drawing/2010/main" val="0"/>
+              </a:ext>
+            </a:extLst>
+          </a:blip>
+          <a:stretch>
+            <a:fillRect/>
+          </a:stretch>
+        </p:blipFill>
+        <p:spPr>
+          <a:xfrm>
+            <a:off x="0" y="0"/>
+            <a:ext cx="12192000" cy="6858000"/>
+          </a:xfrm>
+          <a:prstGeom prst="rect">
+            <a:avLst/>
+          </a:prstGeom>
+        </p:spPr>
+      </p:pic>
+      <p:sp>
+        <p:nvSpPr>
+          <p:cNvPr id="2" name="Title 1">
+            <a:extLst>
+              <a:ext uri="{FF2B5EF4-FFF2-40B4-BE49-F238E27FC236}">
+                <a16:creationId xmlns:a16="http://schemas.microsoft.com/office/drawing/2014/main" id="{23F221A8-1670-4451-9180-D4F98B496DDB}"/>
+              </a:ext>
+            </a:extLst>
+          </p:cNvPr>
+          <p:cNvSpPr>
+            <a:spLocks noGrp="1"/>
+          </p:cNvSpPr>
+          <p:nvPr>
+            <p:ph type="title"/>
+          </p:nvPr>
+        </p:nvSpPr>
+        <p:spPr>
+          <a:xfrm>
+            <a:off x="1179226" y="826680"/>
+            <a:ext cx="9833548" cy="1325563"/>
+          </a:xfrm>
+        </p:spPr>
+        <p:txBody>
+          <a:bodyPr>
+            <a:normAutofit/>
+          </a:bodyPr>
+          <a:lstStyle/>
+          <a:p>
+            <a:pPr marR="0" lvl="0" algn="ctr" defTabSz="914400" rtl="0" eaLnBrk="1" fontAlgn="auto" latinLnBrk="0" hangingPunct="1">
+              <a:lnSpc>
+                <a:spcPct val="90000"/>
+              </a:lnSpc>
+              <a:spcBef>
+                <a:spcPts val="1000"/>
+              </a:spcBef>
+              <a:spcAft>
+                <a:spcPts val="0"/>
+              </a:spcAft>
+              <a:buClrTx/>
+              <a:buSzTx/>
+              <a:tabLst/>
+              <a:defRPr/>
+            </a:pPr>
+            <a:r>
+              <a:rPr lang="en-US" sz="4000" dirty="0">
+                <a:solidFill>
+                  <a:srgbClr val="FFFFFF"/>
+                </a:solidFill>
+              </a:rPr>
+              <a:t>Question 3</a:t>
+            </a:r>
+          </a:p>
+        </p:txBody>
+      </p:sp>
+      <p:sp>
+        <p:nvSpPr>
+          <p:cNvPr id="3" name="Content Placeholder 2">
+            <a:extLst>
+              <a:ext uri="{FF2B5EF4-FFF2-40B4-BE49-F238E27FC236}">
+                <a16:creationId xmlns:a16="http://schemas.microsoft.com/office/drawing/2014/main" id="{3AA4323E-B417-4B90-B96E-9BC5A62356DD}"/>
+              </a:ext>
+            </a:extLst>
+          </p:cNvPr>
+          <p:cNvSpPr>
+            <a:spLocks noGrp="1"/>
+          </p:cNvSpPr>
+          <p:nvPr>
+            <p:ph idx="1"/>
+          </p:nvPr>
+        </p:nvSpPr>
+        <p:spPr>
+          <a:xfrm>
+            <a:off x="1179226" y="3092970"/>
+            <a:ext cx="9833548" cy="2693976"/>
+          </a:xfrm>
+        </p:spPr>
+        <p:txBody>
+          <a:bodyPr>
+            <a:normAutofit/>
+          </a:bodyPr>
+          <a:lstStyle/>
+          <a:p>
+            <a:r>
+              <a:rPr lang="en-US" sz="2000" b="0" i="0" dirty="0">
+                <a:solidFill>
+                  <a:srgbClr val="24292E"/>
+                </a:solidFill>
+                <a:effectLst/>
+                <a:latin typeface="-apple-system"/>
+              </a:rPr>
+              <a:t>Is there a certain time of year that has more concussions occur?</a:t>
+            </a:r>
+          </a:p>
+          <a:p>
+            <a:pPr algn="l">
+              <a:buFont typeface="Arial" panose="020B0604020202020204" pitchFamily="34" charset="0"/>
+              <a:buChar char="•"/>
+            </a:pPr>
+            <a:r>
+              <a:rPr lang="en-US" sz="2000" b="0" i="0" dirty="0">
+                <a:solidFill>
+                  <a:srgbClr val="24292E"/>
+                </a:solidFill>
+                <a:effectLst/>
+                <a:latin typeface="-apple-system"/>
+              </a:rPr>
+              <a:t>Alt: If the time of year affects concussions, then there will be more concussions during a certain part of the season.</a:t>
+            </a:r>
+          </a:p>
+          <a:p>
+            <a:pPr algn="l">
+              <a:buFont typeface="Arial" panose="020B0604020202020204" pitchFamily="34" charset="0"/>
+              <a:buChar char="•"/>
+            </a:pPr>
+            <a:r>
+              <a:rPr lang="en-US" sz="2000" b="0" i="0" dirty="0">
+                <a:solidFill>
+                  <a:srgbClr val="24292E"/>
+                </a:solidFill>
+                <a:effectLst/>
+                <a:latin typeface="-apple-system"/>
+              </a:rPr>
+              <a:t>Null: If the time of year does not affect concussions, then there will not be more concussions during a certain part of the season.</a:t>
+            </a:r>
+          </a:p>
+          <a:p>
+            <a:pPr algn="l">
+              <a:buFont typeface="Arial" panose="020B0604020202020204" pitchFamily="34" charset="0"/>
+              <a:buChar char="•"/>
+            </a:pPr>
+            <a:r>
+              <a:rPr lang="en-US" sz="2000" dirty="0">
+                <a:solidFill>
+                  <a:srgbClr val="24292E"/>
+                </a:solidFill>
+                <a:latin typeface="-apple-system"/>
+              </a:rPr>
+              <a:t>T Test=  3.215721636354374</a:t>
+            </a:r>
+          </a:p>
+          <a:p>
+            <a:pPr algn="l">
+              <a:buFont typeface="Arial" panose="020B0604020202020204" pitchFamily="34" charset="0"/>
+              <a:buChar char="•"/>
+            </a:pPr>
+            <a:r>
+              <a:rPr lang="en-US" sz="2000" b="0" i="0" dirty="0" err="1">
+                <a:solidFill>
+                  <a:srgbClr val="24292E"/>
+                </a:solidFill>
+                <a:effectLst/>
+                <a:latin typeface="-apple-system"/>
+              </a:rPr>
+              <a:t>Pvalue</a:t>
+            </a:r>
+            <a:r>
+              <a:rPr lang="en-US" sz="2000" b="0" i="0" dirty="0">
+                <a:solidFill>
+                  <a:srgbClr val="24292E"/>
+                </a:solidFill>
+                <a:effectLst/>
+                <a:latin typeface="-apple-system"/>
+              </a:rPr>
+              <a:t>= 0.00019897702695319134</a:t>
+            </a:r>
+          </a:p>
+          <a:p>
+            <a:pPr marL="0" indent="0">
+              <a:buNone/>
+            </a:pPr>
+            <a:endParaRPr lang="en-US" sz="2000" dirty="0">
+              <a:solidFill>
+                <a:srgbClr val="000000"/>
+              </a:solidFill>
+            </a:endParaRPr>
+          </a:p>
+        </p:txBody>
+      </p:sp>
+    </p:spTree>
+    <p:extLst>
+      <p:ext uri="{BB962C8B-B14F-4D97-AF65-F5344CB8AC3E}">
+        <p14:creationId xmlns:p14="http://schemas.microsoft.com/office/powerpoint/2010/main" val="2152812155"/>
+      </p:ext>
+    </p:extLst>
+  </p:cSld>
+  <p:clrMapOvr>
+    <a:masterClrMapping/>
+  </p:clrMapOvr>
+</p:sld>
+</file>
+
+<file path=ppt/slides/slide12.xml><?xml version="1.0" encoding="utf-8"?>
+<p:sld xmlns:a="http://schemas.openxmlformats.org/drawingml/2006/main" xmlns:r="http://schemas.openxmlformats.org/officeDocument/2006/relationships" xmlns:p="http://schemas.openxmlformats.org/presentationml/2006/main">
+  <p:cSld>
+    <p:bg>
+      <p:bgPr>
+        <a:solidFill>
+          <a:schemeClr val="bg1"/>
+        </a:solidFill>
+        <a:effectLst/>
+      </p:bgPr>
+    </p:bg>
+    <p:spTree>
+      <p:nvGrpSpPr>
+        <p:cNvPr id="1" name=""/>
+        <p:cNvGrpSpPr/>
+        <p:nvPr/>
+      </p:nvGrpSpPr>
+      <p:grpSpPr>
+        <a:xfrm>
+          <a:off x="0" y="0"/>
+          <a:ext cx="0" cy="0"/>
+          <a:chOff x="0" y="0"/>
+          <a:chExt cx="0" cy="0"/>
+        </a:xfrm>
+      </p:grpSpPr>
+      <p:sp>
+        <p:nvSpPr>
+          <p:cNvPr id="17" name="Rectangle 16">
+            <a:extLst>
+              <a:ext uri="{FF2B5EF4-FFF2-40B4-BE49-F238E27FC236}">
+                <a16:creationId xmlns:a16="http://schemas.microsoft.com/office/drawing/2014/main" id="{4351DFE5-F63D-4BE0-BDA9-E3EB88F01AA5}"/>
+              </a:ext>
+              <a:ext uri="{C183D7F6-B498-43B3-948B-1728B52AA6E4}">
+                <adec:decorative xmlns:adec="http://schemas.microsoft.com/office/drawing/2017/decorative" val="1"/>
+              </a:ext>
+            </a:extLst>
+          </p:cNvPr>
+          <p:cNvSpPr>
+            <a:spLocks noGrp="1" noRot="1" noChangeAspect="1" noMove="1" noResize="1" noEditPoints="1" noAdjustHandles="1" noChangeArrowheads="1" noChangeShapeType="1" noTextEdit="1"/>
+          </p:cNvSpPr>
+          <p:nvPr>
+            <p:extLst>
+              <p:ext uri="{386F3935-93C4-4BCD-93E2-E3B085C9AB24}">
+                <p16:designElem xmlns:p16="http://schemas.microsoft.com/office/powerpoint/2015/main" val="1"/>
+              </p:ext>
+            </p:extLst>
+          </p:nvPr>
+        </p:nvSpPr>
+        <p:spPr>
+          <a:xfrm>
+            <a:off x="355601" y="0"/>
+            <a:ext cx="11480494" cy="2753936"/>
+          </a:xfrm>
+          <a:prstGeom prst="rect">
+            <a:avLst/>
+          </a:prstGeom>
+          <a:gradFill>
+            <a:gsLst>
+              <a:gs pos="0">
+                <a:schemeClr val="accent1">
+                  <a:lumMod val="90000"/>
+                </a:schemeClr>
+              </a:gs>
+              <a:gs pos="25000">
+                <a:schemeClr val="accent1">
+                  <a:lumMod val="90000"/>
+                </a:schemeClr>
+              </a:gs>
+              <a:gs pos="94000">
+                <a:schemeClr val="bg2">
+                  <a:lumMod val="25000"/>
+                </a:schemeClr>
+              </a:gs>
+              <a:gs pos="100000">
+                <a:schemeClr val="bg2">
+                  <a:lumMod val="25000"/>
+                </a:schemeClr>
+              </a:gs>
+            </a:gsLst>
+            <a:lin ang="4200000" scaled="0"/>
+          </a:gradFill>
+          <a:ln>
+            <a:noFill/>
+          </a:ln>
+        </p:spPr>
+        <p:style>
+          <a:lnRef idx="2">
+            <a:schemeClr val="accent1">
+              <a:shade val="50000"/>
+            </a:schemeClr>
+          </a:lnRef>
+          <a:fillRef idx="1">
+            <a:schemeClr val="accent1"/>
+          </a:fillRef>
+          <a:effectRef idx="0">
+            <a:schemeClr val="accent1"/>
+          </a:effectRef>
+          <a:fontRef idx="minor">
+            <a:schemeClr val="lt1"/>
+          </a:fontRef>
+        </p:style>
+        <p:txBody>
+          <a:bodyPr rtlCol="0" anchor="ctr"/>
+          <a:lstStyle/>
+          <a:p>
+            <a:pPr algn="ctr"/>
+            <a:endParaRPr lang="en-US"/>
+          </a:p>
+        </p:txBody>
+      </p:sp>
+      <p:pic>
+        <p:nvPicPr>
+          <p:cNvPr id="19" name="Picture 18">
+            <a:extLst>
+              <a:ext uri="{FF2B5EF4-FFF2-40B4-BE49-F238E27FC236}">
+                <a16:creationId xmlns:a16="http://schemas.microsoft.com/office/drawing/2014/main" id="{3AA16612-ACD2-4A16-8F2B-4514FD6BF28F}"/>
+              </a:ext>
+              <a:ext uri="{C183D7F6-B498-43B3-948B-1728B52AA6E4}">
+                <adec:decorative xmlns:adec="http://schemas.microsoft.com/office/drawing/2017/decorative" val="1"/>
+              </a:ext>
+            </a:extLst>
+          </p:cNvPr>
+          <p:cNvPicPr>
+            <a:picLocks noGrp="1" noRot="1" noChangeAspect="1" noMove="1" noResize="1" noEditPoints="1" noAdjustHandles="1" noChangeArrowheads="1" noChangeShapeType="1" noCrop="1"/>
+          </p:cNvPicPr>
+          <p:nvPr>
+            <p:extLst>
+              <p:ext uri="{386F3935-93C4-4BCD-93E2-E3B085C9AB24}">
+                <p16:designElem xmlns:p16="http://schemas.microsoft.com/office/powerpoint/2015/main" val="1"/>
+              </p:ext>
+            </p:extLst>
+          </p:nvPr>
+        </p:nvPicPr>
+        <p:blipFill>
+          <a:blip r:embed="rId2">
+            <a:extLst>
+              <a:ext uri="{28A0092B-C50C-407E-A947-70E740481C1C}">
+                <a14:useLocalDpi xmlns:a14="http://schemas.microsoft.com/office/drawing/2010/main" val="0"/>
+              </a:ext>
+            </a:extLst>
+          </a:blip>
+          <a:stretch>
+            <a:fillRect/>
+          </a:stretch>
+        </p:blipFill>
+        <p:spPr>
+          <a:xfrm>
+            <a:off x="0" y="0"/>
+            <a:ext cx="12192000" cy="6858000"/>
+          </a:xfrm>
+          <a:prstGeom prst="rect">
+            <a:avLst/>
+          </a:prstGeom>
+        </p:spPr>
+      </p:pic>
+      <p:sp>
+        <p:nvSpPr>
+          <p:cNvPr id="10" name="Title 9">
+            <a:extLst>
+              <a:ext uri="{FF2B5EF4-FFF2-40B4-BE49-F238E27FC236}">
+                <a16:creationId xmlns:a16="http://schemas.microsoft.com/office/drawing/2014/main" id="{3526F5F4-3C84-4A1F-801F-564C06D3327D}"/>
+              </a:ext>
+            </a:extLst>
+          </p:cNvPr>
+          <p:cNvSpPr>
+            <a:spLocks noGrp="1"/>
+          </p:cNvSpPr>
+          <p:nvPr>
+            <p:ph type="title"/>
+          </p:nvPr>
+        </p:nvSpPr>
+        <p:spPr>
+          <a:xfrm>
+            <a:off x="1179226" y="826680"/>
+            <a:ext cx="9833548" cy="1325563"/>
+          </a:xfrm>
+        </p:spPr>
+        <p:txBody>
+          <a:bodyPr>
+            <a:normAutofit/>
+          </a:bodyPr>
+          <a:lstStyle/>
+          <a:p>
+            <a:pPr algn="ctr"/>
+            <a:r>
+              <a:rPr lang="en-US" sz="4000" dirty="0">
+                <a:solidFill>
+                  <a:srgbClr val="FFFFFF"/>
+                </a:solidFill>
+              </a:rPr>
+              <a:t>Graphics Q3</a:t>
+            </a:r>
+          </a:p>
+        </p:txBody>
+      </p:sp>
+      <p:pic>
+        <p:nvPicPr>
+          <p:cNvPr id="3" name="Picture 2">
+            <a:extLst>
+              <a:ext uri="{FF2B5EF4-FFF2-40B4-BE49-F238E27FC236}">
+                <a16:creationId xmlns:a16="http://schemas.microsoft.com/office/drawing/2014/main" id="{F772D109-1384-403A-8BAA-5FF555402916}"/>
+              </a:ext>
+            </a:extLst>
+          </p:cNvPr>
+          <p:cNvPicPr>
+            <a:picLocks noChangeAspect="1" noChangeArrowheads="1"/>
+          </p:cNvPicPr>
+          <p:nvPr/>
+        </p:nvPicPr>
+        <p:blipFill>
+          <a:blip r:embed="rId3">
+            <a:extLst>
+              <a:ext uri="{28A0092B-C50C-407E-A947-70E740481C1C}">
+                <a14:useLocalDpi xmlns:a14="http://schemas.microsoft.com/office/drawing/2010/main" val="0"/>
+              </a:ext>
+            </a:extLst>
+          </a:blip>
+          <a:srcRect/>
+          <a:stretch>
+            <a:fillRect/>
+          </a:stretch>
+        </p:blipFill>
+        <p:spPr bwMode="auto">
+          <a:xfrm>
+            <a:off x="912798" y="2531165"/>
+            <a:ext cx="10366099" cy="3805777"/>
+          </a:xfrm>
+          <a:prstGeom prst="rect">
+            <a:avLst/>
+          </a:prstGeom>
+          <a:noFill/>
+          <a:extLst>
+            <a:ext uri="{909E8E84-426E-40DD-AFC4-6F175D3DCCD1}">
+              <a14:hiddenFill xmlns:a14="http://schemas.microsoft.com/office/drawing/2010/main">
+                <a:solidFill>
+                  <a:srgbClr val="FFFFFF"/>
+                </a:solidFill>
+              </a14:hiddenFill>
+            </a:ext>
+          </a:extLst>
+        </p:spPr>
+      </p:pic>
+    </p:spTree>
+    <p:extLst>
+      <p:ext uri="{BB962C8B-B14F-4D97-AF65-F5344CB8AC3E}">
+        <p14:creationId xmlns:p14="http://schemas.microsoft.com/office/powerpoint/2010/main" val="1316218819"/>
+      </p:ext>
+    </p:extLst>
+  </p:cSld>
+  <p:clrMapOvr>
+    <a:masterClrMapping/>
+  </p:clrMapOvr>
+</p:sld>
+</file>
+
+<file path=ppt/slides/slide13.xml><?xml version="1.0" encoding="utf-8"?>
+<p:sld xmlns:a="http://schemas.openxmlformats.org/drawingml/2006/main" xmlns:r="http://schemas.openxmlformats.org/officeDocument/2006/relationships" xmlns:p="http://schemas.openxmlformats.org/presentationml/2006/main">
+  <p:cSld>
+    <p:bg>
+      <p:bgPr>
+        <a:solidFill>
+          <a:schemeClr val="bg1"/>
+        </a:solidFill>
+        <a:effectLst/>
+      </p:bgPr>
+    </p:bg>
+    <p:spTree>
+      <p:nvGrpSpPr>
+        <p:cNvPr id="1" name=""/>
+        <p:cNvGrpSpPr/>
+        <p:nvPr/>
+      </p:nvGrpSpPr>
+      <p:grpSpPr>
+        <a:xfrm>
+          <a:off x="0" y="0"/>
+          <a:ext cx="0" cy="0"/>
+          <a:chOff x="0" y="0"/>
+          <a:chExt cx="0" cy="0"/>
+        </a:xfrm>
+      </p:grpSpPr>
+      <p:sp>
+        <p:nvSpPr>
+          <p:cNvPr id="8" name="Rectangle 7">
+            <a:extLst>
+              <a:ext uri="{FF2B5EF4-FFF2-40B4-BE49-F238E27FC236}">
+                <a16:creationId xmlns:a16="http://schemas.microsoft.com/office/drawing/2014/main" id="{4351DFE5-F63D-4BE0-BDA9-E3EB88F01AA5}"/>
+              </a:ext>
+              <a:ext uri="{C183D7F6-B498-43B3-948B-1728B52AA6E4}">
+                <adec:decorative xmlns:adec="http://schemas.microsoft.com/office/drawing/2017/decorative" val="1"/>
+              </a:ext>
+            </a:extLst>
+          </p:cNvPr>
+          <p:cNvSpPr>
+            <a:spLocks noGrp="1" noRot="1" noChangeAspect="1" noMove="1" noResize="1" noEditPoints="1" noAdjustHandles="1" noChangeArrowheads="1" noChangeShapeType="1" noTextEdit="1"/>
+          </p:cNvSpPr>
+          <p:nvPr>
+            <p:extLst>
+              <p:ext uri="{386F3935-93C4-4BCD-93E2-E3B085C9AB24}">
+                <p16:designElem xmlns:p16="http://schemas.microsoft.com/office/powerpoint/2015/main" val="1"/>
+              </p:ext>
+            </p:extLst>
+          </p:nvPr>
+        </p:nvSpPr>
+        <p:spPr>
+          <a:xfrm>
+            <a:off x="355601" y="0"/>
+            <a:ext cx="11480494" cy="2753936"/>
+          </a:xfrm>
+          <a:prstGeom prst="rect">
+            <a:avLst/>
+          </a:prstGeom>
+          <a:gradFill>
+            <a:gsLst>
+              <a:gs pos="0">
+                <a:schemeClr val="accent1">
+                  <a:lumMod val="90000"/>
+                </a:schemeClr>
+              </a:gs>
+              <a:gs pos="25000">
+                <a:schemeClr val="accent1">
+                  <a:lumMod val="90000"/>
+                </a:schemeClr>
+              </a:gs>
+              <a:gs pos="94000">
+                <a:schemeClr val="bg2">
+                  <a:lumMod val="25000"/>
+                </a:schemeClr>
+              </a:gs>
+              <a:gs pos="100000">
+                <a:schemeClr val="bg2">
+                  <a:lumMod val="25000"/>
+                </a:schemeClr>
+              </a:gs>
+            </a:gsLst>
+            <a:lin ang="4200000" scaled="0"/>
+          </a:gradFill>
+          <a:ln>
+            <a:noFill/>
+          </a:ln>
+        </p:spPr>
+        <p:style>
+          <a:lnRef idx="2">
+            <a:schemeClr val="accent1">
+              <a:shade val="50000"/>
+            </a:schemeClr>
+          </a:lnRef>
+          <a:fillRef idx="1">
+            <a:schemeClr val="accent1"/>
+          </a:fillRef>
+          <a:effectRef idx="0">
+            <a:schemeClr val="accent1"/>
+          </a:effectRef>
+          <a:fontRef idx="minor">
+            <a:schemeClr val="lt1"/>
+          </a:fontRef>
+        </p:style>
+        <p:txBody>
+          <a:bodyPr rtlCol="0" anchor="ctr"/>
+          <a:lstStyle/>
+          <a:p>
+            <a:pPr algn="ctr"/>
+            <a:endParaRPr lang="en-US"/>
+          </a:p>
+        </p:txBody>
+      </p:sp>
+      <p:pic>
+        <p:nvPicPr>
+          <p:cNvPr id="10" name="Picture 9">
+            <a:extLst>
+              <a:ext uri="{FF2B5EF4-FFF2-40B4-BE49-F238E27FC236}">
+                <a16:creationId xmlns:a16="http://schemas.microsoft.com/office/drawing/2014/main" id="{3AA16612-ACD2-4A16-8F2B-4514FD6BF28F}"/>
+              </a:ext>
+              <a:ext uri="{C183D7F6-B498-43B3-948B-1728B52AA6E4}">
+                <adec:decorative xmlns:adec="http://schemas.microsoft.com/office/drawing/2017/decorative" val="1"/>
+              </a:ext>
+            </a:extLst>
+          </p:cNvPr>
+          <p:cNvPicPr>
+            <a:picLocks noGrp="1" noRot="1" noChangeAspect="1" noMove="1" noResize="1" noEditPoints="1" noAdjustHandles="1" noChangeArrowheads="1" noChangeShapeType="1" noCrop="1"/>
+          </p:cNvPicPr>
+          <p:nvPr>
+            <p:extLst>
+              <p:ext uri="{386F3935-93C4-4BCD-93E2-E3B085C9AB24}">
+                <p16:designElem xmlns:p16="http://schemas.microsoft.com/office/powerpoint/2015/main" val="1"/>
+              </p:ext>
+            </p:extLst>
+          </p:nvPr>
+        </p:nvPicPr>
+        <p:blipFill>
+          <a:blip r:embed="rId2">
+            <a:extLst>
+              <a:ext uri="{28A0092B-C50C-407E-A947-70E740481C1C}">
+                <a14:useLocalDpi xmlns:a14="http://schemas.microsoft.com/office/drawing/2010/main" val="0"/>
+              </a:ext>
+            </a:extLst>
+          </a:blip>
+          <a:stretch>
+            <a:fillRect/>
+          </a:stretch>
+        </p:blipFill>
+        <p:spPr>
+          <a:xfrm>
+            <a:off x="0" y="0"/>
+            <a:ext cx="12192000" cy="6858000"/>
+          </a:xfrm>
+          <a:prstGeom prst="rect">
+            <a:avLst/>
+          </a:prstGeom>
+        </p:spPr>
+      </p:pic>
+      <p:sp>
+        <p:nvSpPr>
+          <p:cNvPr id="2" name="Title 1">
+            <a:extLst>
+              <a:ext uri="{FF2B5EF4-FFF2-40B4-BE49-F238E27FC236}">
                 <a16:creationId xmlns:a16="http://schemas.microsoft.com/office/drawing/2014/main" id="{637F08C2-8BBC-4F25-A2C6-C28591BCDC3A}"/>
               </a:ext>
             </a:extLst>
@@ -5240,19 +6171,17 @@
       </p:sp>
       <p:pic>
         <p:nvPicPr>
-          <p:cNvPr id="2050" name="Picture 2">
-            <a:extLst>
-              <a:ext uri="{FF2B5EF4-FFF2-40B4-BE49-F238E27FC236}">
-                <a16:creationId xmlns:a16="http://schemas.microsoft.com/office/drawing/2014/main" id="{9EB391EA-DA07-4AAD-919B-D1C40A45EB84}"/>
+          <p:cNvPr id="2052" name="Picture 4">
+            <a:extLst>
+              <a:ext uri="{FF2B5EF4-FFF2-40B4-BE49-F238E27FC236}">
+                <a16:creationId xmlns:a16="http://schemas.microsoft.com/office/drawing/2014/main" id="{17AD119A-226E-4221-BFE6-727166AED2ED}"/>
               </a:ext>
             </a:extLst>
           </p:cNvPr>
           <p:cNvPicPr>
-            <a:picLocks noGrp="1" noChangeAspect="1" noChangeArrowheads="1"/>
+            <a:picLocks noChangeAspect="1" noChangeArrowheads="1"/>
           </p:cNvPicPr>
-          <p:nvPr>
-            <p:ph idx="1"/>
-          </p:nvPr>
+          <p:nvPr/>
         </p:nvPicPr>
         <p:blipFill>
           <a:blip r:embed="rId3">
@@ -5269,8 +6198,8 @@
         </p:blipFill>
         <p:spPr bwMode="auto">
           <a:xfrm>
-            <a:off x="1010588" y="3253357"/>
-            <a:ext cx="3769644" cy="2693988"/>
+            <a:off x="6633503" y="3276376"/>
+            <a:ext cx="3705225" cy="2647950"/>
           </a:xfrm>
           <a:prstGeom prst="rect">
             <a:avLst/>
@@ -5287,53 +6216,39 @@
           </a:extLst>
         </p:spPr>
       </p:pic>
-      <p:pic>
-        <p:nvPicPr>
-          <p:cNvPr id="2052" name="Picture 4">
-            <a:extLst>
-              <a:ext uri="{FF2B5EF4-FFF2-40B4-BE49-F238E27FC236}">
-                <a16:creationId xmlns:a16="http://schemas.microsoft.com/office/drawing/2014/main" id="{17AD119A-226E-4221-BFE6-727166AED2ED}"/>
-              </a:ext>
-            </a:extLst>
-          </p:cNvPr>
-          <p:cNvPicPr>
-            <a:picLocks noChangeAspect="1" noChangeArrowheads="1"/>
-          </p:cNvPicPr>
-          <p:nvPr/>
-        </p:nvPicPr>
-        <p:blipFill>
-          <a:blip r:embed="rId4">
-            <a:extLst>
-              <a:ext uri="{28A0092B-C50C-407E-A947-70E740481C1C}">
-                <a14:useLocalDpi xmlns:a14="http://schemas.microsoft.com/office/drawing/2010/main" val="0"/>
-              </a:ext>
-            </a:extLst>
-          </a:blip>
-          <a:srcRect/>
-          <a:stretch>
-            <a:fillRect/>
-          </a:stretch>
-        </p:blipFill>
-        <p:spPr bwMode="auto">
-          <a:xfrm>
-            <a:off x="6633503" y="3276376"/>
-            <a:ext cx="3705225" cy="2647950"/>
-          </a:xfrm>
-          <a:prstGeom prst="rect">
-            <a:avLst/>
-          </a:prstGeom>
-          <a:noFill/>
-          <a:extLst>
-            <a:ext uri="{909E8E84-426E-40DD-AFC4-6F175D3DCCD1}">
-              <a14:hiddenFill xmlns:a14="http://schemas.microsoft.com/office/drawing/2010/main">
-                <a:solidFill>
-                  <a:srgbClr val="FFFFFF"/>
-                </a:solidFill>
-              </a14:hiddenFill>
-            </a:ext>
-          </a:extLst>
-        </p:spPr>
-      </p:pic>
+      <p:sp>
+        <p:nvSpPr>
+          <p:cNvPr id="2" name="Content Placeholder 1">
+            <a:extLst>
+              <a:ext uri="{FF2B5EF4-FFF2-40B4-BE49-F238E27FC236}">
+                <a16:creationId xmlns:a16="http://schemas.microsoft.com/office/drawing/2014/main" id="{8D142B04-4DB6-244C-BD26-B4C9039F297E}"/>
+              </a:ext>
+            </a:extLst>
+          </p:cNvPr>
+          <p:cNvSpPr>
+            <a:spLocks noGrp="1"/>
+          </p:cNvSpPr>
+          <p:nvPr>
+            <p:ph idx="1"/>
+          </p:nvPr>
+        </p:nvSpPr>
+        <p:spPr>
+          <a:xfrm>
+            <a:off x="828152" y="2943385"/>
+            <a:ext cx="4608007" cy="3725165"/>
+          </a:xfrm>
+        </p:spPr>
+        <p:txBody>
+          <a:bodyPr/>
+          <a:lstStyle/>
+          <a:p>
+            <a:r>
+              <a:rPr lang="en-US" dirty="0"/>
+              <a:t>Concussions appeared to go up after the movie was released</a:t>
+            </a:r>
+          </a:p>
+        </p:txBody>
+      </p:sp>
     </p:spTree>
     <p:extLst>
       <p:ext uri="{BB962C8B-B14F-4D97-AF65-F5344CB8AC3E}">
@@ -5877,7 +6792,7 @@
                   <a:srgbClr val="FFFFFF"/>
                 </a:solidFill>
               </a:rPr>
-              <a:t>Question 3</a:t>
+              <a:t>Question 2</a:t>
             </a:r>
           </a:p>
         </p:txBody>
@@ -5911,87 +6826,37 @@
           <a:lstStyle/>
           <a:p>
             <a:r>
-              <a:rPr lang="en-US" sz="2000" b="0" i="0" dirty="0">
-                <a:solidFill>
-                  <a:srgbClr val="24292E"/>
-                </a:solidFill>
-                <a:effectLst/>
-                <a:latin typeface="-apple-system"/>
-              </a:rPr>
-              <a:t>Is there a certain time of year that has more concussions occur?</a:t>
-            </a:r>
-          </a:p>
-          <a:p>
-            <a:pPr algn="l">
-              <a:buFont typeface="Arial" panose="020B0604020202020204" pitchFamily="34" charset="0"/>
-              <a:buChar char="•"/>
-            </a:pPr>
-            <a:r>
-              <a:rPr lang="en-US" sz="2000" b="0" i="0" dirty="0">
-                <a:solidFill>
-                  <a:srgbClr val="24292E"/>
-                </a:solidFill>
-                <a:effectLst/>
-                <a:latin typeface="-apple-system"/>
-              </a:rPr>
-              <a:t>Alt: If the time of year affects concussions, then there will be more concussions during a certain part of the season.</a:t>
-            </a:r>
-          </a:p>
-          <a:p>
-            <a:pPr algn="l">
-              <a:buFont typeface="Arial" panose="020B0604020202020204" pitchFamily="34" charset="0"/>
-              <a:buChar char="•"/>
-            </a:pPr>
-            <a:r>
-              <a:rPr lang="en-US" sz="2000" b="0" i="0" dirty="0">
-                <a:solidFill>
-                  <a:srgbClr val="24292E"/>
-                </a:solidFill>
-                <a:effectLst/>
-                <a:latin typeface="-apple-system"/>
-              </a:rPr>
-              <a:t>Null: If the time of year does not affect concussions, then there will not be more concussions during a certain part of the season.</a:t>
-            </a:r>
-          </a:p>
-          <a:p>
-            <a:pPr algn="l">
-              <a:buFont typeface="Arial" panose="020B0604020202020204" pitchFamily="34" charset="0"/>
-              <a:buChar char="•"/>
-            </a:pPr>
-            <a:r>
-              <a:rPr lang="en-US" sz="2000" dirty="0">
+              <a:rPr lang="en-US" sz="2400" dirty="0">
                 <a:solidFill>
                   <a:srgbClr val="24292E"/>
                 </a:solidFill>
                 <a:latin typeface="-apple-system"/>
               </a:rPr>
-              <a:t>T Test=  3.215721636354374</a:t>
-            </a:r>
-          </a:p>
-          <a:p>
-            <a:pPr algn="l">
-              <a:buFont typeface="Arial" panose="020B0604020202020204" pitchFamily="34" charset="0"/>
-              <a:buChar char="•"/>
-            </a:pPr>
-            <a:r>
-              <a:rPr lang="en-US" sz="2000" b="0" i="0" dirty="0" err="1">
+              <a:t>Did rule changes in 2018 affect all injuries or just concussions?</a:t>
+            </a:r>
+          </a:p>
+          <a:p>
+            <a:pPr lvl="1"/>
+            <a:r>
+              <a:rPr lang="en-US" sz="1800" dirty="0">
                 <a:solidFill>
                   <a:srgbClr val="24292E"/>
                 </a:solidFill>
-                <a:effectLst/>
                 <a:latin typeface="-apple-system"/>
               </a:rPr>
-              <a:t>Pvalue</a:t>
-            </a:r>
-            <a:r>
-              <a:rPr lang="en-US" sz="2000" b="0" i="0" dirty="0">
+              <a:t>Alt: If injuries were affected by rule changes, then injuries would go down.</a:t>
+            </a:r>
+          </a:p>
+          <a:p>
+            <a:pPr lvl="1"/>
+            <a:r>
+              <a:rPr lang="en-US" sz="1800" dirty="0">
                 <a:solidFill>
                   <a:srgbClr val="24292E"/>
                 </a:solidFill>
-                <a:effectLst/>
                 <a:latin typeface="-apple-system"/>
               </a:rPr>
-              <a:t>= 0.00019897702695319134</a:t>
+              <a:t>Null: If injuries were not affected by rule changes, then injuries would not go down.</a:t>
             </a:r>
           </a:p>
           <a:p>
@@ -6009,7 +6874,7 @@
     </p:spTree>
     <p:extLst>
       <p:ext uri="{BB962C8B-B14F-4D97-AF65-F5344CB8AC3E}">
-        <p14:creationId xmlns:p14="http://schemas.microsoft.com/office/powerpoint/2010/main" val="2152812155"/>
+        <p14:creationId xmlns:p14="http://schemas.microsoft.com/office/powerpoint/2010/main" val="2456488472"/>
       </p:ext>
     </p:extLst>
   </p:cSld>
@@ -6046,7 +6911,7 @@
       </p:grpSpPr>
       <p:sp>
         <p:nvSpPr>
-          <p:cNvPr id="17" name="Rectangle 16">
+          <p:cNvPr id="8" name="Rectangle 7">
             <a:extLst>
               <a:ext uri="{FF2B5EF4-FFF2-40B4-BE49-F238E27FC236}">
                 <a16:creationId xmlns:a16="http://schemas.microsoft.com/office/drawing/2014/main" id="{4351DFE5-F63D-4BE0-BDA9-E3EB88F01AA5}"/>
@@ -6131,7 +6996,7 @@
       </p:sp>
       <p:pic>
         <p:nvPicPr>
-          <p:cNvPr id="19" name="Picture 18">
+          <p:cNvPr id="10" name="Picture 9">
             <a:extLst>
               <a:ext uri="{FF2B5EF4-FFF2-40B4-BE49-F238E27FC236}">
                 <a16:creationId xmlns:a16="http://schemas.microsoft.com/office/drawing/2014/main" id="{3AA16612-ACD2-4A16-8F2B-4514FD6BF28F}"/>
@@ -6176,10 +7041,10 @@
       </p:pic>
       <p:sp>
         <p:nvSpPr>
-          <p:cNvPr id="10" name="Title 9">
-            <a:extLst>
-              <a:ext uri="{FF2B5EF4-FFF2-40B4-BE49-F238E27FC236}">
-                <a16:creationId xmlns:a16="http://schemas.microsoft.com/office/drawing/2014/main" id="{3526F5F4-3C84-4A1F-801F-564C06D3327D}"/>
+          <p:cNvPr id="2" name="Title 1">
+            <a:extLst>
+              <a:ext uri="{FF2B5EF4-FFF2-40B4-BE49-F238E27FC236}">
+                <a16:creationId xmlns:a16="http://schemas.microsoft.com/office/drawing/2014/main" id="{23F221A8-1670-4451-9180-D4F98B496DDB}"/>
               </a:ext>
             </a:extLst>
           </p:cNvPr>
@@ -6202,31 +7067,158 @@
           </a:bodyPr>
           <a:lstStyle/>
           <a:p>
-            <a:pPr algn="ctr"/>
+            <a:pPr marR="0" lvl="0" algn="ctr" defTabSz="914400" rtl="0" eaLnBrk="1" fontAlgn="auto" latinLnBrk="0" hangingPunct="1">
+              <a:lnSpc>
+                <a:spcPct val="90000"/>
+              </a:lnSpc>
+              <a:spcBef>
+                <a:spcPts val="1000"/>
+              </a:spcBef>
+              <a:spcAft>
+                <a:spcPts val="0"/>
+              </a:spcAft>
+              <a:buClrTx/>
+              <a:buSzTx/>
+              <a:tabLst/>
+              <a:defRPr/>
+            </a:pPr>
             <a:r>
               <a:rPr lang="en-US" sz="4000" dirty="0">
                 <a:solidFill>
                   <a:srgbClr val="FFFFFF"/>
                 </a:solidFill>
               </a:rPr>
-              <a:t>Graphics Q3</a:t>
-            </a:r>
+              <a:t>Question 2</a:t>
+            </a:r>
+          </a:p>
+        </p:txBody>
+      </p:sp>
+      <p:sp>
+        <p:nvSpPr>
+          <p:cNvPr id="6" name="TextBox 5">
+            <a:extLst>
+              <a:ext uri="{FF2B5EF4-FFF2-40B4-BE49-F238E27FC236}">
+                <a16:creationId xmlns:a16="http://schemas.microsoft.com/office/drawing/2014/main" id="{050CA433-B61A-114E-A358-EE5D2F4032AF}"/>
+              </a:ext>
+            </a:extLst>
+          </p:cNvPr>
+          <p:cNvSpPr txBox="1"/>
+          <p:nvPr/>
+        </p:nvSpPr>
+        <p:spPr>
+          <a:xfrm>
+            <a:off x="1085222" y="3265714"/>
+            <a:ext cx="4461468" cy="2031325"/>
+          </a:xfrm>
+          <a:prstGeom prst="rect">
+            <a:avLst/>
+          </a:prstGeom>
+          <a:noFill/>
+        </p:spPr>
+        <p:txBody>
+          <a:bodyPr wrap="square" rtlCol="0">
+            <a:spAutoFit/>
+          </a:bodyPr>
+          <a:lstStyle/>
+          <a:p>
+            <a:pPr marL="285750" indent="-285750">
+              <a:buFont typeface="Arial" panose="020B0604020202020204" pitchFamily="34" charset="0"/>
+              <a:buChar char="•"/>
+            </a:pPr>
+            <a:r>
+              <a:rPr lang="en-US" dirty="0"/>
+              <a:t>Injuries went up in 2016, and did not decrease in 2018 with the implementation of new rules such as targeting</a:t>
+            </a:r>
+          </a:p>
+          <a:p>
+            <a:pPr marL="285750" indent="-285750">
+              <a:buFont typeface="Arial" panose="020B0604020202020204" pitchFamily="34" charset="0"/>
+              <a:buChar char="•"/>
+            </a:pPr>
+            <a:endParaRPr lang="en-US" dirty="0">
+              <a:solidFill>
+                <a:srgbClr val="24292E"/>
+              </a:solidFill>
+              <a:latin typeface="-apple-system"/>
+            </a:endParaRPr>
+          </a:p>
+          <a:p>
+            <a:pPr marL="285750" indent="-285750">
+              <a:buFont typeface="Arial" panose="020B0604020202020204" pitchFamily="34" charset="0"/>
+              <a:buChar char="•"/>
+            </a:pPr>
+            <a:r>
+              <a:rPr lang="en-US" dirty="0">
+                <a:solidFill>
+                  <a:srgbClr val="24292E"/>
+                </a:solidFill>
+                <a:latin typeface="-apple-system"/>
+              </a:rPr>
+              <a:t>T-test: </a:t>
+            </a:r>
+            <a:r>
+              <a:rPr lang="en-US" dirty="0"/>
+              <a:t>-2.374087</a:t>
+            </a:r>
+          </a:p>
+          <a:p>
+            <a:pPr marL="285750" indent="-285750">
+              <a:buFont typeface="Arial" panose="020B0604020202020204" pitchFamily="34" charset="0"/>
+              <a:buChar char="•"/>
+            </a:pPr>
+            <a:r>
+              <a:rPr lang="en-US" dirty="0" err="1">
+                <a:solidFill>
+                  <a:srgbClr val="24292E"/>
+                </a:solidFill>
+                <a:latin typeface="-apple-system"/>
+              </a:rPr>
+              <a:t>Pvalue</a:t>
+            </a:r>
+            <a:r>
+              <a:rPr lang="en-US" dirty="0">
+                <a:solidFill>
+                  <a:srgbClr val="24292E"/>
+                </a:solidFill>
+                <a:latin typeface="-apple-system"/>
+              </a:rPr>
+              <a:t>: </a:t>
+            </a:r>
+            <a:r>
+              <a:rPr lang="en-US" dirty="0"/>
+              <a:t>0.06362946</a:t>
+            </a:r>
+            <a:endParaRPr lang="en-US" dirty="0">
+              <a:solidFill>
+                <a:srgbClr val="24292E"/>
+              </a:solidFill>
+              <a:latin typeface="-apple-system"/>
+            </a:endParaRPr>
+          </a:p>
+          <a:p>
+            <a:pPr marL="285750" indent="-285750">
+              <a:buFont typeface="Arial" panose="020B0604020202020204" pitchFamily="34" charset="0"/>
+              <a:buChar char="•"/>
+            </a:pPr>
+            <a:endParaRPr lang="en-US" dirty="0"/>
           </a:p>
         </p:txBody>
       </p:sp>
       <p:pic>
         <p:nvPicPr>
-          <p:cNvPr id="3" name="Picture 2">
-            <a:extLst>
-              <a:ext uri="{FF2B5EF4-FFF2-40B4-BE49-F238E27FC236}">
-                <a16:creationId xmlns:a16="http://schemas.microsoft.com/office/drawing/2014/main" id="{F772D109-1384-403A-8BAA-5FF555402916}"/>
+          <p:cNvPr id="13" name="Content Placeholder 12">
+            <a:extLst>
+              <a:ext uri="{FF2B5EF4-FFF2-40B4-BE49-F238E27FC236}">
+                <a16:creationId xmlns:a16="http://schemas.microsoft.com/office/drawing/2014/main" id="{6C5622FD-8F09-3F4D-AF7B-DDED5A9D17CF}"/>
               </a:ext>
             </a:extLst>
           </p:cNvPr>
           <p:cNvPicPr>
-            <a:picLocks noChangeAspect="1" noChangeArrowheads="1"/>
+            <a:picLocks noGrp="1" noChangeAspect="1"/>
           </p:cNvPicPr>
-          <p:nvPr/>
+          <p:nvPr>
+            <p:ph idx="1"/>
+          </p:nvPr>
         </p:nvPicPr>
         <p:blipFill>
           <a:blip r:embed="rId3">
@@ -6236,35 +7228,21 @@
               </a:ext>
             </a:extLst>
           </a:blip>
-          <a:srcRect/>
           <a:stretch>
             <a:fillRect/>
           </a:stretch>
         </p:blipFill>
-        <p:spPr bwMode="auto">
-          <a:xfrm>
-            <a:off x="912798" y="2531165"/>
-            <a:ext cx="10366099" cy="3805777"/>
-          </a:xfrm>
-          <a:prstGeom prst="rect">
-            <a:avLst/>
-          </a:prstGeom>
-          <a:noFill/>
-          <a:extLst>
-            <a:ext uri="{909E8E84-426E-40DD-AFC4-6F175D3DCCD1}">
-              <a14:hiddenFill xmlns:a14="http://schemas.microsoft.com/office/drawing/2010/main">
-                <a:solidFill>
-                  <a:srgbClr val="FFFFFF"/>
-                </a:solidFill>
-              </a14:hiddenFill>
-            </a:ext>
-          </a:extLst>
+        <p:spPr>
+          <a:xfrm>
+            <a:off x="5902291" y="2753936"/>
+            <a:ext cx="5486400" cy="3657600"/>
+          </a:xfrm>
         </p:spPr>
       </p:pic>
     </p:spTree>
     <p:extLst>
       <p:ext uri="{BB962C8B-B14F-4D97-AF65-F5344CB8AC3E}">
-        <p14:creationId xmlns:p14="http://schemas.microsoft.com/office/powerpoint/2010/main" val="1316218819"/>
+        <p14:creationId xmlns:p14="http://schemas.microsoft.com/office/powerpoint/2010/main" val="3102473885"/>
       </p:ext>
     </p:extLst>
   </p:cSld>

--- a/Concussions in the NFL.pptx
+++ b/Concussions in the NFL.pptx
@@ -15,9 +15,10 @@
     <p:sldId id="266" r:id="rId9"/>
     <p:sldId id="267" r:id="rId10"/>
     <p:sldId id="268" r:id="rId11"/>
-    <p:sldId id="263" r:id="rId12"/>
-    <p:sldId id="264" r:id="rId13"/>
-    <p:sldId id="265" r:id="rId14"/>
+    <p:sldId id="269" r:id="rId12"/>
+    <p:sldId id="263" r:id="rId13"/>
+    <p:sldId id="264" r:id="rId14"/>
+    <p:sldId id="265" r:id="rId15"/>
   </p:sldIdLst>
   <p:sldSz cx="12192000" cy="6858000"/>
   <p:notesSz cx="6858000" cy="9144000"/>
@@ -283,7 +284,7 @@
           <a:p>
             <a:fld id="{17BDACBA-FEFB-4B09-B122-B726D4C1B49C}" type="datetimeFigureOut">
               <a:rPr lang="en-US" smtClean="0"/>
-              <a:t>10/26/20</a:t>
+              <a:t>10/27/2020</a:t>
             </a:fld>
             <a:endParaRPr lang="en-US" dirty="0"/>
           </a:p>
@@ -481,7 +482,7 @@
           <a:p>
             <a:fld id="{17BDACBA-FEFB-4B09-B122-B726D4C1B49C}" type="datetimeFigureOut">
               <a:rPr lang="en-US" smtClean="0"/>
-              <a:t>10/26/20</a:t>
+              <a:t>10/27/2020</a:t>
             </a:fld>
             <a:endParaRPr lang="en-US" dirty="0"/>
           </a:p>
@@ -689,7 +690,7 @@
           <a:p>
             <a:fld id="{17BDACBA-FEFB-4B09-B122-B726D4C1B49C}" type="datetimeFigureOut">
               <a:rPr lang="en-US" smtClean="0"/>
-              <a:t>10/26/20</a:t>
+              <a:t>10/27/2020</a:t>
             </a:fld>
             <a:endParaRPr lang="en-US" dirty="0"/>
           </a:p>
@@ -887,7 +888,7 @@
           <a:p>
             <a:fld id="{17BDACBA-FEFB-4B09-B122-B726D4C1B49C}" type="datetimeFigureOut">
               <a:rPr lang="en-US" smtClean="0"/>
-              <a:t>10/26/20</a:t>
+              <a:t>10/27/2020</a:t>
             </a:fld>
             <a:endParaRPr lang="en-US" dirty="0"/>
           </a:p>
@@ -1162,7 +1163,7 @@
           <a:p>
             <a:fld id="{17BDACBA-FEFB-4B09-B122-B726D4C1B49C}" type="datetimeFigureOut">
               <a:rPr lang="en-US" smtClean="0"/>
-              <a:t>10/26/20</a:t>
+              <a:t>10/27/2020</a:t>
             </a:fld>
             <a:endParaRPr lang="en-US" dirty="0"/>
           </a:p>
@@ -1427,7 +1428,7 @@
           <a:p>
             <a:fld id="{17BDACBA-FEFB-4B09-B122-B726D4C1B49C}" type="datetimeFigureOut">
               <a:rPr lang="en-US" smtClean="0"/>
-              <a:t>10/26/20</a:t>
+              <a:t>10/27/2020</a:t>
             </a:fld>
             <a:endParaRPr lang="en-US" dirty="0"/>
           </a:p>
@@ -1839,7 +1840,7 @@
           <a:p>
             <a:fld id="{17BDACBA-FEFB-4B09-B122-B726D4C1B49C}" type="datetimeFigureOut">
               <a:rPr lang="en-US" smtClean="0"/>
-              <a:t>10/26/20</a:t>
+              <a:t>10/27/2020</a:t>
             </a:fld>
             <a:endParaRPr lang="en-US" dirty="0"/>
           </a:p>
@@ -1980,7 +1981,7 @@
           <a:p>
             <a:fld id="{17BDACBA-FEFB-4B09-B122-B726D4C1B49C}" type="datetimeFigureOut">
               <a:rPr lang="en-US" smtClean="0"/>
-              <a:t>10/26/20</a:t>
+              <a:t>10/27/2020</a:t>
             </a:fld>
             <a:endParaRPr lang="en-US" dirty="0"/>
           </a:p>
@@ -2093,7 +2094,7 @@
           <a:p>
             <a:fld id="{17BDACBA-FEFB-4B09-B122-B726D4C1B49C}" type="datetimeFigureOut">
               <a:rPr lang="en-US" smtClean="0"/>
-              <a:t>10/26/20</a:t>
+              <a:t>10/27/2020</a:t>
             </a:fld>
             <a:endParaRPr lang="en-US" dirty="0"/>
           </a:p>
@@ -2404,7 +2405,7 @@
           <a:p>
             <a:fld id="{17BDACBA-FEFB-4B09-B122-B726D4C1B49C}" type="datetimeFigureOut">
               <a:rPr lang="en-US" smtClean="0"/>
-              <a:t>10/26/20</a:t>
+              <a:t>10/27/2020</a:t>
             </a:fld>
             <a:endParaRPr lang="en-US" dirty="0"/>
           </a:p>
@@ -2692,7 +2693,7 @@
           <a:p>
             <a:fld id="{17BDACBA-FEFB-4B09-B122-B726D4C1B49C}" type="datetimeFigureOut">
               <a:rPr lang="en-US" smtClean="0"/>
-              <a:t>10/26/20</a:t>
+              <a:t>10/27/2020</a:t>
             </a:fld>
             <a:endParaRPr lang="en-US" dirty="0"/>
           </a:p>
@@ -2933,7 +2934,7 @@
           <a:p>
             <a:fld id="{17BDACBA-FEFB-4B09-B122-B726D4C1B49C}" type="datetimeFigureOut">
               <a:rPr lang="en-US" smtClean="0"/>
-              <a:t>10/26/20</a:t>
+              <a:t>10/27/2020</a:t>
             </a:fld>
             <a:endParaRPr lang="en-US" dirty="0"/>
           </a:p>
@@ -4076,7 +4077,7 @@
           <p:cNvPr id="2" name="Title 1">
             <a:extLst>
               <a:ext uri="{FF2B5EF4-FFF2-40B4-BE49-F238E27FC236}">
-                <a16:creationId xmlns:a16="http://schemas.microsoft.com/office/drawing/2014/main" id="{23F221A8-1670-4451-9180-D4F98B496DDB}"/>
+                <a16:creationId xmlns:a16="http://schemas.microsoft.com/office/drawing/2014/main" id="{637F08C2-8BBC-4F25-A2C6-C28591BCDC3A}"/>
               </a:ext>
             </a:extLst>
           </p:cNvPr>
@@ -4099,160 +4100,127 @@
           </a:bodyPr>
           <a:lstStyle/>
           <a:p>
-            <a:pPr marR="0" lvl="0" algn="ctr" defTabSz="914400" rtl="0" eaLnBrk="1" fontAlgn="auto" latinLnBrk="0" hangingPunct="1">
-              <a:lnSpc>
-                <a:spcPct val="90000"/>
-              </a:lnSpc>
-              <a:spcBef>
-                <a:spcPts val="1000"/>
-              </a:spcBef>
-              <a:spcAft>
-                <a:spcPts val="0"/>
-              </a:spcAft>
-              <a:buClrTx/>
-              <a:buSzTx/>
-              <a:tabLst/>
-              <a:defRPr/>
-            </a:pPr>
+            <a:pPr algn="ctr"/>
             <a:r>
               <a:rPr lang="en-US" sz="4000" dirty="0">
                 <a:solidFill>
                   <a:srgbClr val="FFFFFF"/>
                 </a:solidFill>
               </a:rPr>
-              <a:t>Question 3</a:t>
-            </a:r>
-          </a:p>
-        </p:txBody>
-      </p:sp>
-      <p:sp>
-        <p:nvSpPr>
-          <p:cNvPr id="3" name="Content Placeholder 2">
-            <a:extLst>
-              <a:ext uri="{FF2B5EF4-FFF2-40B4-BE49-F238E27FC236}">
-                <a16:creationId xmlns:a16="http://schemas.microsoft.com/office/drawing/2014/main" id="{3AA4323E-B417-4B90-B96E-9BC5A62356DD}"/>
-              </a:ext>
-            </a:extLst>
-          </p:cNvPr>
-          <p:cNvSpPr>
-            <a:spLocks noGrp="1"/>
-          </p:cNvSpPr>
-          <p:nvPr>
-            <p:ph idx="1"/>
-          </p:nvPr>
-        </p:nvSpPr>
-        <p:spPr>
-          <a:xfrm>
-            <a:off x="1179226" y="3092970"/>
-            <a:ext cx="9833548" cy="2693976"/>
-          </a:xfrm>
-        </p:spPr>
-        <p:txBody>
-          <a:bodyPr>
-            <a:normAutofit/>
+              <a:t>Conclusion question 2</a:t>
+            </a:r>
+          </a:p>
+        </p:txBody>
+      </p:sp>
+      <p:sp>
+        <p:nvSpPr>
+          <p:cNvPr id="4" name="TextBox 3">
+            <a:extLst>
+              <a:ext uri="{FF2B5EF4-FFF2-40B4-BE49-F238E27FC236}">
+                <a16:creationId xmlns:a16="http://schemas.microsoft.com/office/drawing/2014/main" id="{7DAA3B98-3341-4C96-BE70-AFC87A04C8F5}"/>
+              </a:ext>
+            </a:extLst>
+          </p:cNvPr>
+          <p:cNvSpPr txBox="1"/>
+          <p:nvPr/>
+        </p:nvSpPr>
+        <p:spPr>
+          <a:xfrm>
+            <a:off x="1004596" y="3180333"/>
+            <a:ext cx="5695070" cy="1754326"/>
+          </a:xfrm>
+          <a:prstGeom prst="rect">
+            <a:avLst/>
+          </a:prstGeom>
+          <a:noFill/>
+        </p:spPr>
+        <p:txBody>
+          <a:bodyPr wrap="square" rtlCol="0">
+            <a:spAutoFit/>
           </a:bodyPr>
           <a:lstStyle/>
           <a:p>
-            <a:r>
-              <a:rPr lang="en-US" sz="2000" b="0" i="0" dirty="0">
-                <a:solidFill>
-                  <a:srgbClr val="24292E"/>
-                </a:solidFill>
-                <a:effectLst/>
-                <a:latin typeface="-apple-system"/>
-              </a:rPr>
-              <a:t>Is there a certain time of year that has more concussions occur?</a:t>
-            </a:r>
-          </a:p>
-          <a:p>
-            <a:pPr algn="l">
+            <a:pPr marL="285750" indent="-285750">
               <a:buFont typeface="Arial" panose="020B0604020202020204" pitchFamily="34" charset="0"/>
               <a:buChar char="•"/>
             </a:pPr>
             <a:r>
-              <a:rPr lang="en-US" sz="2000" b="0" i="0" dirty="0">
-                <a:solidFill>
-                  <a:srgbClr val="24292E"/>
-                </a:solidFill>
-                <a:effectLst/>
-                <a:latin typeface="-apple-system"/>
-              </a:rPr>
-              <a:t>Alt: If the time of year affects concussions, then there will be more concussions during a certain part of the season.</a:t>
-            </a:r>
-          </a:p>
-          <a:p>
-            <a:pPr algn="l">
+              <a:rPr lang="en-US" dirty="0"/>
+              <a:t>It appears that injuries went up the seasons following movie release</a:t>
+            </a:r>
+          </a:p>
+          <a:p>
+            <a:pPr marL="285750" indent="-285750">
               <a:buFont typeface="Arial" panose="020B0604020202020204" pitchFamily="34" charset="0"/>
               <a:buChar char="•"/>
             </a:pPr>
             <a:r>
-              <a:rPr lang="en-US" sz="2000" b="0" i="0" dirty="0">
-                <a:solidFill>
-                  <a:srgbClr val="24292E"/>
-                </a:solidFill>
-                <a:effectLst/>
-                <a:latin typeface="-apple-system"/>
-              </a:rPr>
-              <a:t>Null: If the time of year does not affect concussions, then there will not be more concussions during a certain part of the season.</a:t>
-            </a:r>
-          </a:p>
-          <a:p>
-            <a:pPr algn="l">
+              <a:rPr lang="en-US" dirty="0"/>
+              <a:t>The data supports the Null hypothesis</a:t>
+            </a:r>
+          </a:p>
+          <a:p>
+            <a:pPr marL="285750" indent="-285750">
               <a:buFont typeface="Arial" panose="020B0604020202020204" pitchFamily="34" charset="0"/>
               <a:buChar char="•"/>
             </a:pPr>
             <a:r>
-              <a:rPr lang="en-US" sz="2000" dirty="0">
-                <a:solidFill>
-                  <a:srgbClr val="24292E"/>
-                </a:solidFill>
-                <a:latin typeface="-apple-system"/>
-              </a:rPr>
-              <a:t>T Test=  3.215721636354374</a:t>
-            </a:r>
-          </a:p>
-          <a:p>
-            <a:pPr algn="l">
+              <a:rPr lang="en-US" dirty="0"/>
+              <a:t>More data may prove otherwise</a:t>
+            </a:r>
+          </a:p>
+          <a:p>
+            <a:endParaRPr lang="en-US" dirty="0"/>
+          </a:p>
+          <a:p>
+            <a:pPr marL="285750" indent="-285750">
               <a:buFont typeface="Arial" panose="020B0604020202020204" pitchFamily="34" charset="0"/>
               <a:buChar char="•"/>
             </a:pPr>
-            <a:r>
-              <a:rPr lang="en-US" sz="2000" b="0" i="0" dirty="0" err="1">
-                <a:solidFill>
-                  <a:srgbClr val="24292E"/>
-                </a:solidFill>
-                <a:effectLst/>
-                <a:latin typeface="-apple-system"/>
-              </a:rPr>
-              <a:t>Pvalue</a:t>
-            </a:r>
-            <a:r>
-              <a:rPr lang="en-US" sz="2000" b="0" i="0" dirty="0">
-                <a:solidFill>
-                  <a:srgbClr val="24292E"/>
-                </a:solidFill>
-                <a:effectLst/>
-                <a:latin typeface="-apple-system"/>
-              </a:rPr>
-              <a:t>= 0.00019897702695319134</a:t>
-            </a:r>
-          </a:p>
-          <a:p>
-            <a:pPr marL="0" indent="0">
-              <a:buNone/>
-            </a:pPr>
-            <a:endParaRPr lang="en-US" sz="2000" dirty="0">
-              <a:solidFill>
-                <a:srgbClr val="000000"/>
-              </a:solidFill>
-            </a:endParaRPr>
-          </a:p>
-        </p:txBody>
-      </p:sp>
+            <a:endParaRPr lang="en-US" dirty="0"/>
+          </a:p>
+        </p:txBody>
+      </p:sp>
+      <p:pic>
+        <p:nvPicPr>
+          <p:cNvPr id="7" name="Picture 6" descr="Chart, line chart&#10;&#10;Description automatically generated">
+            <a:extLst>
+              <a:ext uri="{FF2B5EF4-FFF2-40B4-BE49-F238E27FC236}">
+                <a16:creationId xmlns:a16="http://schemas.microsoft.com/office/drawing/2014/main" id="{79AC034E-E220-4EFE-B354-2BD13F25978D}"/>
+              </a:ext>
+            </a:extLst>
+          </p:cNvPr>
+          <p:cNvPicPr>
+            <a:picLocks noChangeAspect="1"/>
+          </p:cNvPicPr>
+          <p:nvPr/>
+        </p:nvPicPr>
+        <p:blipFill>
+          <a:blip r:embed="rId3">
+            <a:extLst>
+              <a:ext uri="{28A0092B-C50C-407E-A947-70E740481C1C}">
+                <a14:useLocalDpi xmlns:a14="http://schemas.microsoft.com/office/drawing/2010/main" val="0"/>
+              </a:ext>
+            </a:extLst>
+          </a:blip>
+          <a:stretch>
+            <a:fillRect/>
+          </a:stretch>
+        </p:blipFill>
+        <p:spPr>
+          <a:xfrm>
+            <a:off x="6526398" y="2523514"/>
+            <a:ext cx="4780232" cy="3186821"/>
+          </a:xfrm>
+          <a:prstGeom prst="rect">
+            <a:avLst/>
+          </a:prstGeom>
+        </p:spPr>
+      </p:pic>
     </p:spTree>
     <p:extLst>
       <p:ext uri="{BB962C8B-B14F-4D97-AF65-F5344CB8AC3E}">
-        <p14:creationId xmlns:p14="http://schemas.microsoft.com/office/powerpoint/2010/main" val="2152812155"/>
+        <p14:creationId xmlns:p14="http://schemas.microsoft.com/office/powerpoint/2010/main" val="774011499"/>
       </p:ext>
     </p:extLst>
   </p:cSld>
@@ -4289,7 +4257,7 @@
       </p:grpSpPr>
       <p:sp>
         <p:nvSpPr>
-          <p:cNvPr id="17" name="Rectangle 16">
+          <p:cNvPr id="8" name="Rectangle 7">
             <a:extLst>
               <a:ext uri="{FF2B5EF4-FFF2-40B4-BE49-F238E27FC236}">
                 <a16:creationId xmlns:a16="http://schemas.microsoft.com/office/drawing/2014/main" id="{4351DFE5-F63D-4BE0-BDA9-E3EB88F01AA5}"/>
@@ -4374,7 +4342,7 @@
       </p:sp>
       <p:pic>
         <p:nvPicPr>
-          <p:cNvPr id="19" name="Picture 18">
+          <p:cNvPr id="10" name="Picture 9">
             <a:extLst>
               <a:ext uri="{FF2B5EF4-FFF2-40B4-BE49-F238E27FC236}">
                 <a16:creationId xmlns:a16="http://schemas.microsoft.com/office/drawing/2014/main" id="{3AA16612-ACD2-4A16-8F2B-4514FD6BF28F}"/>
@@ -4419,10 +4387,10 @@
       </p:pic>
       <p:sp>
         <p:nvSpPr>
-          <p:cNvPr id="10" name="Title 9">
-            <a:extLst>
-              <a:ext uri="{FF2B5EF4-FFF2-40B4-BE49-F238E27FC236}">
-                <a16:creationId xmlns:a16="http://schemas.microsoft.com/office/drawing/2014/main" id="{3526F5F4-3C84-4A1F-801F-564C06D3327D}"/>
+          <p:cNvPr id="2" name="Title 1">
+            <a:extLst>
+              <a:ext uri="{FF2B5EF4-FFF2-40B4-BE49-F238E27FC236}">
+                <a16:creationId xmlns:a16="http://schemas.microsoft.com/office/drawing/2014/main" id="{23F221A8-1670-4451-9180-D4F98B496DDB}"/>
               </a:ext>
             </a:extLst>
           </p:cNvPr>
@@ -4445,69 +4413,160 @@
           </a:bodyPr>
           <a:lstStyle/>
           <a:p>
-            <a:pPr algn="ctr"/>
+            <a:pPr marR="0" lvl="0" algn="ctr" defTabSz="914400" rtl="0" eaLnBrk="1" fontAlgn="auto" latinLnBrk="0" hangingPunct="1">
+              <a:lnSpc>
+                <a:spcPct val="90000"/>
+              </a:lnSpc>
+              <a:spcBef>
+                <a:spcPts val="1000"/>
+              </a:spcBef>
+              <a:spcAft>
+                <a:spcPts val="0"/>
+              </a:spcAft>
+              <a:buClrTx/>
+              <a:buSzTx/>
+              <a:tabLst/>
+              <a:defRPr/>
+            </a:pPr>
             <a:r>
               <a:rPr lang="en-US" sz="4000" dirty="0">
                 <a:solidFill>
                   <a:srgbClr val="FFFFFF"/>
                 </a:solidFill>
               </a:rPr>
-              <a:t>Graphics Q3</a:t>
-            </a:r>
-          </a:p>
-        </p:txBody>
-      </p:sp>
-      <p:pic>
-        <p:nvPicPr>
-          <p:cNvPr id="3" name="Picture 2">
-            <a:extLst>
-              <a:ext uri="{FF2B5EF4-FFF2-40B4-BE49-F238E27FC236}">
-                <a16:creationId xmlns:a16="http://schemas.microsoft.com/office/drawing/2014/main" id="{F772D109-1384-403A-8BAA-5FF555402916}"/>
-              </a:ext>
-            </a:extLst>
-          </p:cNvPr>
-          <p:cNvPicPr>
-            <a:picLocks noChangeAspect="1" noChangeArrowheads="1"/>
-          </p:cNvPicPr>
-          <p:nvPr/>
-        </p:nvPicPr>
-        <p:blipFill>
-          <a:blip r:embed="rId3">
-            <a:extLst>
-              <a:ext uri="{28A0092B-C50C-407E-A947-70E740481C1C}">
-                <a14:useLocalDpi xmlns:a14="http://schemas.microsoft.com/office/drawing/2010/main" val="0"/>
-              </a:ext>
-            </a:extLst>
-          </a:blip>
-          <a:srcRect/>
-          <a:stretch>
-            <a:fillRect/>
-          </a:stretch>
-        </p:blipFill>
-        <p:spPr bwMode="auto">
-          <a:xfrm>
-            <a:off x="912798" y="2531165"/>
-            <a:ext cx="10366099" cy="3805777"/>
-          </a:xfrm>
-          <a:prstGeom prst="rect">
-            <a:avLst/>
-          </a:prstGeom>
-          <a:noFill/>
-          <a:extLst>
-            <a:ext uri="{909E8E84-426E-40DD-AFC4-6F175D3DCCD1}">
-              <a14:hiddenFill xmlns:a14="http://schemas.microsoft.com/office/drawing/2010/main">
+              <a:t>Question 3</a:t>
+            </a:r>
+          </a:p>
+        </p:txBody>
+      </p:sp>
+      <p:sp>
+        <p:nvSpPr>
+          <p:cNvPr id="3" name="Content Placeholder 2">
+            <a:extLst>
+              <a:ext uri="{FF2B5EF4-FFF2-40B4-BE49-F238E27FC236}">
+                <a16:creationId xmlns:a16="http://schemas.microsoft.com/office/drawing/2014/main" id="{3AA4323E-B417-4B90-B96E-9BC5A62356DD}"/>
+              </a:ext>
+            </a:extLst>
+          </p:cNvPr>
+          <p:cNvSpPr>
+            <a:spLocks noGrp="1"/>
+          </p:cNvSpPr>
+          <p:nvPr>
+            <p:ph idx="1"/>
+          </p:nvPr>
+        </p:nvSpPr>
+        <p:spPr>
+          <a:xfrm>
+            <a:off x="1179226" y="3092970"/>
+            <a:ext cx="9833548" cy="2693976"/>
+          </a:xfrm>
+        </p:spPr>
+        <p:txBody>
+          <a:bodyPr>
+            <a:normAutofit/>
+          </a:bodyPr>
+          <a:lstStyle/>
+          <a:p>
+            <a:r>
+              <a:rPr lang="en-US" sz="2000" b="0" i="0" dirty="0">
                 <a:solidFill>
-                  <a:srgbClr val="FFFFFF"/>
+                  <a:srgbClr val="24292E"/>
                 </a:solidFill>
-              </a14:hiddenFill>
-            </a:ext>
-          </a:extLst>
-        </p:spPr>
-      </p:pic>
+                <a:effectLst/>
+                <a:latin typeface="-apple-system"/>
+              </a:rPr>
+              <a:t>Is there a certain week of season more concussions occur?</a:t>
+            </a:r>
+          </a:p>
+          <a:p>
+            <a:pPr algn="l">
+              <a:buFont typeface="Arial" panose="020B0604020202020204" pitchFamily="34" charset="0"/>
+              <a:buChar char="•"/>
+            </a:pPr>
+            <a:r>
+              <a:rPr lang="en-US" sz="2000" b="0" i="0" dirty="0">
+                <a:solidFill>
+                  <a:srgbClr val="24292E"/>
+                </a:solidFill>
+                <a:effectLst/>
+                <a:latin typeface="-apple-system"/>
+              </a:rPr>
+              <a:t>Alt: If the time of year affects concussions, then there will be more concussions during a certain part of the season.</a:t>
+            </a:r>
+          </a:p>
+          <a:p>
+            <a:pPr algn="l">
+              <a:buFont typeface="Arial" panose="020B0604020202020204" pitchFamily="34" charset="0"/>
+              <a:buChar char="•"/>
+            </a:pPr>
+            <a:r>
+              <a:rPr lang="en-US" sz="2000" b="0" i="0" dirty="0">
+                <a:solidFill>
+                  <a:srgbClr val="24292E"/>
+                </a:solidFill>
+                <a:effectLst/>
+                <a:latin typeface="-apple-system"/>
+              </a:rPr>
+              <a:t>Null: If the time of year does not affect concussions, then there will not be more concussions during a certain part of the season.</a:t>
+            </a:r>
+          </a:p>
+          <a:p>
+            <a:pPr algn="l">
+              <a:buFont typeface="Arial" panose="020B0604020202020204" pitchFamily="34" charset="0"/>
+              <a:buChar char="•"/>
+            </a:pPr>
+            <a:r>
+              <a:rPr lang="en-US" sz="2000" dirty="0">
+                <a:solidFill>
+                  <a:srgbClr val="24292E"/>
+                </a:solidFill>
+                <a:latin typeface="-apple-system"/>
+              </a:rPr>
+              <a:t>T Test=  3.215721636354374</a:t>
+            </a:r>
+          </a:p>
+          <a:p>
+            <a:pPr algn="l">
+              <a:buFont typeface="Arial" panose="020B0604020202020204" pitchFamily="34" charset="0"/>
+              <a:buChar char="•"/>
+            </a:pPr>
+            <a:r>
+              <a:rPr lang="en-US" sz="2000" b="0" i="0" dirty="0" err="1">
+                <a:solidFill>
+                  <a:srgbClr val="24292E"/>
+                </a:solidFill>
+                <a:effectLst/>
+                <a:latin typeface="-apple-system"/>
+              </a:rPr>
+              <a:t>Pvalue</a:t>
+            </a:r>
+            <a:r>
+              <a:rPr lang="en-US" sz="2000" b="0" i="0" dirty="0">
+                <a:solidFill>
+                  <a:srgbClr val="24292E"/>
+                </a:solidFill>
+                <a:effectLst/>
+                <a:latin typeface="-apple-system"/>
+              </a:rPr>
+              <a:t>= 0.00019897702695319134</a:t>
+            </a:r>
+          </a:p>
+          <a:p>
+            <a:pPr marL="0" indent="0">
+              <a:buNone/>
+            </a:pPr>
+            <a:endParaRPr lang="en-US" sz="2000" dirty="0">
+              <a:solidFill>
+                <a:srgbClr val="000000"/>
+              </a:solidFill>
+            </a:endParaRPr>
+          </a:p>
+        </p:txBody>
+      </p:sp>
     </p:spTree>
     <p:extLst>
       <p:ext uri="{BB962C8B-B14F-4D97-AF65-F5344CB8AC3E}">
-        <p14:creationId xmlns:p14="http://schemas.microsoft.com/office/powerpoint/2010/main" val="1316218819"/>
+        <p14:creationId xmlns:p14="http://schemas.microsoft.com/office/powerpoint/2010/main" val="2152812155"/>
       </p:ext>
     </p:extLst>
   </p:cSld>
@@ -4544,7 +4603,7 @@
       </p:grpSpPr>
       <p:sp>
         <p:nvSpPr>
-          <p:cNvPr id="8" name="Rectangle 7">
+          <p:cNvPr id="17" name="Rectangle 16">
             <a:extLst>
               <a:ext uri="{FF2B5EF4-FFF2-40B4-BE49-F238E27FC236}">
                 <a16:creationId xmlns:a16="http://schemas.microsoft.com/office/drawing/2014/main" id="{4351DFE5-F63D-4BE0-BDA9-E3EB88F01AA5}"/>
@@ -4629,6 +4688,261 @@
       </p:sp>
       <p:pic>
         <p:nvPicPr>
+          <p:cNvPr id="19" name="Picture 18">
+            <a:extLst>
+              <a:ext uri="{FF2B5EF4-FFF2-40B4-BE49-F238E27FC236}">
+                <a16:creationId xmlns:a16="http://schemas.microsoft.com/office/drawing/2014/main" id="{3AA16612-ACD2-4A16-8F2B-4514FD6BF28F}"/>
+              </a:ext>
+              <a:ext uri="{C183D7F6-B498-43B3-948B-1728B52AA6E4}">
+                <adec:decorative xmlns:adec="http://schemas.microsoft.com/office/drawing/2017/decorative" val="1"/>
+              </a:ext>
+            </a:extLst>
+          </p:cNvPr>
+          <p:cNvPicPr>
+            <a:picLocks noGrp="1" noRot="1" noChangeAspect="1" noMove="1" noResize="1" noEditPoints="1" noAdjustHandles="1" noChangeArrowheads="1" noChangeShapeType="1" noCrop="1"/>
+          </p:cNvPicPr>
+          <p:nvPr>
+            <p:extLst>
+              <p:ext uri="{386F3935-93C4-4BCD-93E2-E3B085C9AB24}">
+                <p16:designElem xmlns:p16="http://schemas.microsoft.com/office/powerpoint/2015/main" val="1"/>
+              </p:ext>
+            </p:extLst>
+          </p:nvPr>
+        </p:nvPicPr>
+        <p:blipFill>
+          <a:blip r:embed="rId2">
+            <a:extLst>
+              <a:ext uri="{28A0092B-C50C-407E-A947-70E740481C1C}">
+                <a14:useLocalDpi xmlns:a14="http://schemas.microsoft.com/office/drawing/2010/main" val="0"/>
+              </a:ext>
+            </a:extLst>
+          </a:blip>
+          <a:stretch>
+            <a:fillRect/>
+          </a:stretch>
+        </p:blipFill>
+        <p:spPr>
+          <a:xfrm>
+            <a:off x="0" y="0"/>
+            <a:ext cx="12192000" cy="6858000"/>
+          </a:xfrm>
+          <a:prstGeom prst="rect">
+            <a:avLst/>
+          </a:prstGeom>
+        </p:spPr>
+      </p:pic>
+      <p:sp>
+        <p:nvSpPr>
+          <p:cNvPr id="10" name="Title 9">
+            <a:extLst>
+              <a:ext uri="{FF2B5EF4-FFF2-40B4-BE49-F238E27FC236}">
+                <a16:creationId xmlns:a16="http://schemas.microsoft.com/office/drawing/2014/main" id="{3526F5F4-3C84-4A1F-801F-564C06D3327D}"/>
+              </a:ext>
+            </a:extLst>
+          </p:cNvPr>
+          <p:cNvSpPr>
+            <a:spLocks noGrp="1"/>
+          </p:cNvSpPr>
+          <p:nvPr>
+            <p:ph type="title"/>
+          </p:nvPr>
+        </p:nvSpPr>
+        <p:spPr>
+          <a:xfrm>
+            <a:off x="1179226" y="826680"/>
+            <a:ext cx="9833548" cy="1325563"/>
+          </a:xfrm>
+        </p:spPr>
+        <p:txBody>
+          <a:bodyPr>
+            <a:normAutofit/>
+          </a:bodyPr>
+          <a:lstStyle/>
+          <a:p>
+            <a:pPr algn="ctr"/>
+            <a:r>
+              <a:rPr lang="en-US" sz="4000" dirty="0">
+                <a:solidFill>
+                  <a:srgbClr val="FFFFFF"/>
+                </a:solidFill>
+              </a:rPr>
+              <a:t>Graphics Q3</a:t>
+            </a:r>
+          </a:p>
+        </p:txBody>
+      </p:sp>
+      <p:pic>
+        <p:nvPicPr>
+          <p:cNvPr id="3" name="Picture 2">
+            <a:extLst>
+              <a:ext uri="{FF2B5EF4-FFF2-40B4-BE49-F238E27FC236}">
+                <a16:creationId xmlns:a16="http://schemas.microsoft.com/office/drawing/2014/main" id="{F772D109-1384-403A-8BAA-5FF555402916}"/>
+              </a:ext>
+            </a:extLst>
+          </p:cNvPr>
+          <p:cNvPicPr>
+            <a:picLocks noChangeAspect="1" noChangeArrowheads="1"/>
+          </p:cNvPicPr>
+          <p:nvPr/>
+        </p:nvPicPr>
+        <p:blipFill>
+          <a:blip r:embed="rId3">
+            <a:extLst>
+              <a:ext uri="{28A0092B-C50C-407E-A947-70E740481C1C}">
+                <a14:useLocalDpi xmlns:a14="http://schemas.microsoft.com/office/drawing/2010/main" val="0"/>
+              </a:ext>
+            </a:extLst>
+          </a:blip>
+          <a:srcRect/>
+          <a:stretch>
+            <a:fillRect/>
+          </a:stretch>
+        </p:blipFill>
+        <p:spPr bwMode="auto">
+          <a:xfrm>
+            <a:off x="912798" y="2531165"/>
+            <a:ext cx="10366099" cy="3805777"/>
+          </a:xfrm>
+          <a:prstGeom prst="rect">
+            <a:avLst/>
+          </a:prstGeom>
+          <a:noFill/>
+          <a:extLst>
+            <a:ext uri="{909E8E84-426E-40DD-AFC4-6F175D3DCCD1}">
+              <a14:hiddenFill xmlns:a14="http://schemas.microsoft.com/office/drawing/2010/main">
+                <a:solidFill>
+                  <a:srgbClr val="FFFFFF"/>
+                </a:solidFill>
+              </a14:hiddenFill>
+            </a:ext>
+          </a:extLst>
+        </p:spPr>
+      </p:pic>
+    </p:spTree>
+    <p:extLst>
+      <p:ext uri="{BB962C8B-B14F-4D97-AF65-F5344CB8AC3E}">
+        <p14:creationId xmlns:p14="http://schemas.microsoft.com/office/powerpoint/2010/main" val="1316218819"/>
+      </p:ext>
+    </p:extLst>
+  </p:cSld>
+  <p:clrMapOvr>
+    <a:masterClrMapping/>
+  </p:clrMapOvr>
+</p:sld>
+</file>
+
+<file path=ppt/slides/slide14.xml><?xml version="1.0" encoding="utf-8"?>
+<p:sld xmlns:a="http://schemas.openxmlformats.org/drawingml/2006/main" xmlns:r="http://schemas.openxmlformats.org/officeDocument/2006/relationships" xmlns:p="http://schemas.openxmlformats.org/presentationml/2006/main">
+  <p:cSld>
+    <p:bg>
+      <p:bgPr>
+        <a:solidFill>
+          <a:schemeClr val="bg1"/>
+        </a:solidFill>
+        <a:effectLst/>
+      </p:bgPr>
+    </p:bg>
+    <p:spTree>
+      <p:nvGrpSpPr>
+        <p:cNvPr id="1" name=""/>
+        <p:cNvGrpSpPr/>
+        <p:nvPr/>
+      </p:nvGrpSpPr>
+      <p:grpSpPr>
+        <a:xfrm>
+          <a:off x="0" y="0"/>
+          <a:ext cx="0" cy="0"/>
+          <a:chOff x="0" y="0"/>
+          <a:chExt cx="0" cy="0"/>
+        </a:xfrm>
+      </p:grpSpPr>
+      <p:sp>
+        <p:nvSpPr>
+          <p:cNvPr id="8" name="Rectangle 7">
+            <a:extLst>
+              <a:ext uri="{FF2B5EF4-FFF2-40B4-BE49-F238E27FC236}">
+                <a16:creationId xmlns:a16="http://schemas.microsoft.com/office/drawing/2014/main" id="{4351DFE5-F63D-4BE0-BDA9-E3EB88F01AA5}"/>
+              </a:ext>
+              <a:ext uri="{C183D7F6-B498-43B3-948B-1728B52AA6E4}">
+                <adec:decorative xmlns:adec="http://schemas.microsoft.com/office/drawing/2017/decorative" val="1"/>
+              </a:ext>
+            </a:extLst>
+          </p:cNvPr>
+          <p:cNvSpPr>
+            <a:spLocks noGrp="1" noRot="1" noChangeAspect="1" noMove="1" noResize="1" noEditPoints="1" noAdjustHandles="1" noChangeArrowheads="1" noChangeShapeType="1" noTextEdit="1"/>
+          </p:cNvSpPr>
+          <p:nvPr>
+            <p:extLst>
+              <p:ext uri="{386F3935-93C4-4BCD-93E2-E3B085C9AB24}">
+                <p16:designElem xmlns:p16="http://schemas.microsoft.com/office/powerpoint/2015/main" val="1"/>
+              </p:ext>
+            </p:extLst>
+          </p:nvPr>
+        </p:nvSpPr>
+        <p:spPr>
+          <a:xfrm>
+            <a:off x="355601" y="0"/>
+            <a:ext cx="11480494" cy="2753936"/>
+          </a:xfrm>
+          <a:prstGeom prst="rect">
+            <a:avLst/>
+          </a:prstGeom>
+          <a:gradFill>
+            <a:gsLst>
+              <a:gs pos="0">
+                <a:schemeClr val="accent1">
+                  <a:lumMod val="90000"/>
+                </a:schemeClr>
+              </a:gs>
+              <a:gs pos="25000">
+                <a:schemeClr val="accent1">
+                  <a:lumMod val="90000"/>
+                </a:schemeClr>
+              </a:gs>
+              <a:gs pos="94000">
+                <a:schemeClr val="bg2">
+                  <a:lumMod val="25000"/>
+                </a:schemeClr>
+              </a:gs>
+              <a:gs pos="100000">
+                <a:schemeClr val="bg2">
+                  <a:lumMod val="25000"/>
+                </a:schemeClr>
+              </a:gs>
+            </a:gsLst>
+            <a:lin ang="4200000" scaled="0"/>
+          </a:gradFill>
+          <a:ln>
+            <a:noFill/>
+          </a:ln>
+        </p:spPr>
+        <p:style>
+          <a:lnRef idx="2">
+            <a:schemeClr val="accent1">
+              <a:shade val="50000"/>
+            </a:schemeClr>
+          </a:lnRef>
+          <a:fillRef idx="1">
+            <a:schemeClr val="accent1"/>
+          </a:fillRef>
+          <a:effectRef idx="0">
+            <a:schemeClr val="accent1"/>
+          </a:effectRef>
+          <a:fontRef idx="minor">
+            <a:schemeClr val="lt1"/>
+          </a:fontRef>
+        </p:style>
+        <p:txBody>
+          <a:bodyPr rtlCol="0" anchor="ctr"/>
+          <a:lstStyle/>
+          <a:p>
+            <a:pPr algn="ctr"/>
+            <a:endParaRPr lang="en-US"/>
+          </a:p>
+        </p:txBody>
+      </p:sp>
+      <p:pic>
+        <p:nvPicPr>
           <p:cNvPr id="10" name="Picture 9">
             <a:extLst>
               <a:ext uri="{FF2B5EF4-FFF2-40B4-BE49-F238E27FC236}">
@@ -4746,7 +5060,7 @@
             </a:pPr>
             <a:r>
               <a:rPr lang="en-US" dirty="0"/>
-              <a:t>There appears to be no real difference in the which week of the season that concussions occur, just a slight upward trend towards the end of the season.</a:t>
+              <a:t>There appears to be no real difference in which week of the season that concussions occur, just a slight upward trend towards the end of the season.</a:t>
             </a:r>
           </a:p>
           <a:p>

--- a/Concussions in the NFL.pptx
+++ b/Concussions in the NFL.pptx
@@ -19,6 +19,7 @@
     <p:sldId id="263" r:id="rId13"/>
     <p:sldId id="264" r:id="rId14"/>
     <p:sldId id="265" r:id="rId15"/>
+    <p:sldId id="270" r:id="rId16"/>
   </p:sldIdLst>
   <p:sldSz cx="12192000" cy="6858000"/>
   <p:notesSz cx="6858000" cy="9144000"/>
@@ -5098,6 +5099,306 @@
 </p:sld>
 </file>
 
+<file path=ppt/slides/slide15.xml><?xml version="1.0" encoding="utf-8"?>
+<p:sld xmlns:a="http://schemas.openxmlformats.org/drawingml/2006/main" xmlns:r="http://schemas.openxmlformats.org/officeDocument/2006/relationships" xmlns:p="http://schemas.openxmlformats.org/presentationml/2006/main">
+  <p:cSld>
+    <p:bg>
+      <p:bgPr>
+        <a:solidFill>
+          <a:schemeClr val="bg1"/>
+        </a:solidFill>
+        <a:effectLst/>
+      </p:bgPr>
+    </p:bg>
+    <p:spTree>
+      <p:nvGrpSpPr>
+        <p:cNvPr id="1" name=""/>
+        <p:cNvGrpSpPr/>
+        <p:nvPr/>
+      </p:nvGrpSpPr>
+      <p:grpSpPr>
+        <a:xfrm>
+          <a:off x="0" y="0"/>
+          <a:ext cx="0" cy="0"/>
+          <a:chOff x="0" y="0"/>
+          <a:chExt cx="0" cy="0"/>
+        </a:xfrm>
+      </p:grpSpPr>
+      <p:sp>
+        <p:nvSpPr>
+          <p:cNvPr id="8" name="Rectangle 7">
+            <a:extLst>
+              <a:ext uri="{FF2B5EF4-FFF2-40B4-BE49-F238E27FC236}">
+                <a16:creationId xmlns:a16="http://schemas.microsoft.com/office/drawing/2014/main" id="{4351DFE5-F63D-4BE0-BDA9-E3EB88F01AA5}"/>
+              </a:ext>
+              <a:ext uri="{C183D7F6-B498-43B3-948B-1728B52AA6E4}">
+                <adec:decorative xmlns:adec="http://schemas.microsoft.com/office/drawing/2017/decorative" val="1"/>
+              </a:ext>
+            </a:extLst>
+          </p:cNvPr>
+          <p:cNvSpPr>
+            <a:spLocks noGrp="1" noRot="1" noChangeAspect="1" noMove="1" noResize="1" noEditPoints="1" noAdjustHandles="1" noChangeArrowheads="1" noChangeShapeType="1" noTextEdit="1"/>
+          </p:cNvSpPr>
+          <p:nvPr>
+            <p:extLst>
+              <p:ext uri="{386F3935-93C4-4BCD-93E2-E3B085C9AB24}">
+                <p16:designElem xmlns:p16="http://schemas.microsoft.com/office/powerpoint/2015/main" val="1"/>
+              </p:ext>
+            </p:extLst>
+          </p:nvPr>
+        </p:nvSpPr>
+        <p:spPr>
+          <a:xfrm>
+            <a:off x="355601" y="0"/>
+            <a:ext cx="11480494" cy="2753936"/>
+          </a:xfrm>
+          <a:prstGeom prst="rect">
+            <a:avLst/>
+          </a:prstGeom>
+          <a:gradFill>
+            <a:gsLst>
+              <a:gs pos="0">
+                <a:schemeClr val="accent1">
+                  <a:lumMod val="90000"/>
+                </a:schemeClr>
+              </a:gs>
+              <a:gs pos="25000">
+                <a:schemeClr val="accent1">
+                  <a:lumMod val="90000"/>
+                </a:schemeClr>
+              </a:gs>
+              <a:gs pos="94000">
+                <a:schemeClr val="bg2">
+                  <a:lumMod val="25000"/>
+                </a:schemeClr>
+              </a:gs>
+              <a:gs pos="100000">
+                <a:schemeClr val="bg2">
+                  <a:lumMod val="25000"/>
+                </a:schemeClr>
+              </a:gs>
+            </a:gsLst>
+            <a:lin ang="4200000" scaled="0"/>
+          </a:gradFill>
+          <a:ln>
+            <a:noFill/>
+          </a:ln>
+        </p:spPr>
+        <p:style>
+          <a:lnRef idx="2">
+            <a:schemeClr val="accent1">
+              <a:shade val="50000"/>
+            </a:schemeClr>
+          </a:lnRef>
+          <a:fillRef idx="1">
+            <a:schemeClr val="accent1"/>
+          </a:fillRef>
+          <a:effectRef idx="0">
+            <a:schemeClr val="accent1"/>
+          </a:effectRef>
+          <a:fontRef idx="minor">
+            <a:schemeClr val="lt1"/>
+          </a:fontRef>
+        </p:style>
+        <p:txBody>
+          <a:bodyPr rtlCol="0" anchor="ctr"/>
+          <a:lstStyle/>
+          <a:p>
+            <a:pPr algn="ctr"/>
+            <a:endParaRPr lang="en-US"/>
+          </a:p>
+        </p:txBody>
+      </p:sp>
+      <p:pic>
+        <p:nvPicPr>
+          <p:cNvPr id="10" name="Picture 9">
+            <a:extLst>
+              <a:ext uri="{FF2B5EF4-FFF2-40B4-BE49-F238E27FC236}">
+                <a16:creationId xmlns:a16="http://schemas.microsoft.com/office/drawing/2014/main" id="{3AA16612-ACD2-4A16-8F2B-4514FD6BF28F}"/>
+              </a:ext>
+              <a:ext uri="{C183D7F6-B498-43B3-948B-1728B52AA6E4}">
+                <adec:decorative xmlns:adec="http://schemas.microsoft.com/office/drawing/2017/decorative" val="1"/>
+              </a:ext>
+            </a:extLst>
+          </p:cNvPr>
+          <p:cNvPicPr>
+            <a:picLocks noGrp="1" noRot="1" noChangeAspect="1" noMove="1" noResize="1" noEditPoints="1" noAdjustHandles="1" noChangeArrowheads="1" noChangeShapeType="1" noCrop="1"/>
+          </p:cNvPicPr>
+          <p:nvPr>
+            <p:extLst>
+              <p:ext uri="{386F3935-93C4-4BCD-93E2-E3B085C9AB24}">
+                <p16:designElem xmlns:p16="http://schemas.microsoft.com/office/powerpoint/2015/main" val="1"/>
+              </p:ext>
+            </p:extLst>
+          </p:nvPr>
+        </p:nvPicPr>
+        <p:blipFill>
+          <a:blip r:embed="rId2">
+            <a:extLst>
+              <a:ext uri="{28A0092B-C50C-407E-A947-70E740481C1C}">
+                <a14:useLocalDpi xmlns:a14="http://schemas.microsoft.com/office/drawing/2010/main" val="0"/>
+              </a:ext>
+            </a:extLst>
+          </a:blip>
+          <a:stretch>
+            <a:fillRect/>
+          </a:stretch>
+        </p:blipFill>
+        <p:spPr>
+          <a:xfrm>
+            <a:off x="0" y="0"/>
+            <a:ext cx="12192000" cy="6858000"/>
+          </a:xfrm>
+          <a:prstGeom prst="rect">
+            <a:avLst/>
+          </a:prstGeom>
+        </p:spPr>
+      </p:pic>
+      <p:sp>
+        <p:nvSpPr>
+          <p:cNvPr id="2" name="Title 1">
+            <a:extLst>
+              <a:ext uri="{FF2B5EF4-FFF2-40B4-BE49-F238E27FC236}">
+                <a16:creationId xmlns:a16="http://schemas.microsoft.com/office/drawing/2014/main" id="{31D9090D-4073-43A7-9C28-60DD7A921900}"/>
+              </a:ext>
+            </a:extLst>
+          </p:cNvPr>
+          <p:cNvSpPr>
+            <a:spLocks noGrp="1"/>
+          </p:cNvSpPr>
+          <p:nvPr>
+            <p:ph type="title"/>
+          </p:nvPr>
+        </p:nvSpPr>
+        <p:spPr>
+          <a:xfrm>
+            <a:off x="1179226" y="826680"/>
+            <a:ext cx="9833548" cy="1325563"/>
+          </a:xfrm>
+        </p:spPr>
+        <p:txBody>
+          <a:bodyPr>
+            <a:normAutofit/>
+          </a:bodyPr>
+          <a:lstStyle/>
+          <a:p>
+            <a:pPr algn="ctr"/>
+            <a:r>
+              <a:rPr lang="en-US" sz="4000" dirty="0">
+                <a:solidFill>
+                  <a:srgbClr val="FFFFFF"/>
+                </a:solidFill>
+              </a:rPr>
+              <a:t>Challenges</a:t>
+            </a:r>
+          </a:p>
+        </p:txBody>
+      </p:sp>
+      <p:sp>
+        <p:nvSpPr>
+          <p:cNvPr id="3" name="Content Placeholder 2">
+            <a:extLst>
+              <a:ext uri="{FF2B5EF4-FFF2-40B4-BE49-F238E27FC236}">
+                <a16:creationId xmlns:a16="http://schemas.microsoft.com/office/drawing/2014/main" id="{32DB2095-7BB1-4766-9793-994C98AFBF9F}"/>
+              </a:ext>
+            </a:extLst>
+          </p:cNvPr>
+          <p:cNvSpPr>
+            <a:spLocks noGrp="1"/>
+          </p:cNvSpPr>
+          <p:nvPr>
+            <p:ph idx="1"/>
+          </p:nvPr>
+        </p:nvSpPr>
+        <p:spPr>
+          <a:xfrm>
+            <a:off x="1179226" y="3092970"/>
+            <a:ext cx="9833548" cy="2693976"/>
+          </a:xfrm>
+        </p:spPr>
+        <p:txBody>
+          <a:bodyPr>
+            <a:normAutofit/>
+          </a:bodyPr>
+          <a:lstStyle/>
+          <a:p>
+            <a:r>
+              <a:rPr lang="en-US" sz="2000" dirty="0">
+                <a:solidFill>
+                  <a:srgbClr val="000000"/>
+                </a:solidFill>
+              </a:rPr>
+              <a:t>Finding data</a:t>
+            </a:r>
+          </a:p>
+          <a:p>
+            <a:r>
+              <a:rPr lang="en-US" sz="2000" dirty="0">
+                <a:solidFill>
+                  <a:srgbClr val="000000"/>
+                </a:solidFill>
+              </a:rPr>
+              <a:t>Took time to clean data</a:t>
+            </a:r>
+          </a:p>
+          <a:p>
+            <a:r>
+              <a:rPr lang="en-US" sz="2000" dirty="0">
+                <a:solidFill>
+                  <a:srgbClr val="000000"/>
+                </a:solidFill>
+              </a:rPr>
+              <a:t>Narrowing focus</a:t>
+            </a:r>
+          </a:p>
+          <a:p>
+            <a:pPr marL="0" indent="0">
+              <a:buNone/>
+            </a:pPr>
+            <a:endParaRPr lang="en-US" sz="2000" dirty="0">
+              <a:solidFill>
+                <a:srgbClr val="000000"/>
+              </a:solidFill>
+            </a:endParaRPr>
+          </a:p>
+          <a:p>
+            <a:pPr marL="0" indent="0">
+              <a:buNone/>
+            </a:pPr>
+            <a:endParaRPr lang="en-US" sz="2000" dirty="0">
+              <a:solidFill>
+                <a:srgbClr val="000000"/>
+              </a:solidFill>
+            </a:endParaRPr>
+          </a:p>
+          <a:p>
+            <a:pPr marL="0" indent="0">
+              <a:buNone/>
+            </a:pPr>
+            <a:r>
+              <a:rPr lang="en-US" sz="2000" dirty="0">
+                <a:solidFill>
+                  <a:srgbClr val="000000"/>
+                </a:solidFill>
+              </a:rPr>
+              <a:t>QUESTIONS?</a:t>
+            </a:r>
+          </a:p>
+        </p:txBody>
+      </p:sp>
+    </p:spTree>
+    <p:extLst>
+      <p:ext uri="{BB962C8B-B14F-4D97-AF65-F5344CB8AC3E}">
+        <p14:creationId xmlns:p14="http://schemas.microsoft.com/office/powerpoint/2010/main" val="2236796158"/>
+      </p:ext>
+    </p:extLst>
+  </p:cSld>
+  <p:clrMapOvr>
+    <a:masterClrMapping/>
+  </p:clrMapOvr>
+</p:sld>
+</file>
+
 <file path=ppt/slides/slide2.xml><?xml version="1.0" encoding="utf-8"?>
 <p:sld xmlns:a="http://schemas.openxmlformats.org/drawingml/2006/main" xmlns:r="http://schemas.openxmlformats.org/officeDocument/2006/relationships" xmlns:p="http://schemas.openxmlformats.org/presentationml/2006/main">
   <p:cSld>

--- a/Concussions in the NFL.pptx
+++ b/Concussions in the NFL.pptx
@@ -285,7 +285,7 @@
           <a:p>
             <a:fld id="{17BDACBA-FEFB-4B09-B122-B726D4C1B49C}" type="datetimeFigureOut">
               <a:rPr lang="en-US" smtClean="0"/>
-              <a:t>10/27/2020</a:t>
+              <a:t>10/27/20</a:t>
             </a:fld>
             <a:endParaRPr lang="en-US" dirty="0"/>
           </a:p>
@@ -483,7 +483,7 @@
           <a:p>
             <a:fld id="{17BDACBA-FEFB-4B09-B122-B726D4C1B49C}" type="datetimeFigureOut">
               <a:rPr lang="en-US" smtClean="0"/>
-              <a:t>10/27/2020</a:t>
+              <a:t>10/27/20</a:t>
             </a:fld>
             <a:endParaRPr lang="en-US" dirty="0"/>
           </a:p>
@@ -691,7 +691,7 @@
           <a:p>
             <a:fld id="{17BDACBA-FEFB-4B09-B122-B726D4C1B49C}" type="datetimeFigureOut">
               <a:rPr lang="en-US" smtClean="0"/>
-              <a:t>10/27/2020</a:t>
+              <a:t>10/27/20</a:t>
             </a:fld>
             <a:endParaRPr lang="en-US" dirty="0"/>
           </a:p>
@@ -889,7 +889,7 @@
           <a:p>
             <a:fld id="{17BDACBA-FEFB-4B09-B122-B726D4C1B49C}" type="datetimeFigureOut">
               <a:rPr lang="en-US" smtClean="0"/>
-              <a:t>10/27/2020</a:t>
+              <a:t>10/27/20</a:t>
             </a:fld>
             <a:endParaRPr lang="en-US" dirty="0"/>
           </a:p>
@@ -1164,7 +1164,7 @@
           <a:p>
             <a:fld id="{17BDACBA-FEFB-4B09-B122-B726D4C1B49C}" type="datetimeFigureOut">
               <a:rPr lang="en-US" smtClean="0"/>
-              <a:t>10/27/2020</a:t>
+              <a:t>10/27/20</a:t>
             </a:fld>
             <a:endParaRPr lang="en-US" dirty="0"/>
           </a:p>
@@ -1429,7 +1429,7 @@
           <a:p>
             <a:fld id="{17BDACBA-FEFB-4B09-B122-B726D4C1B49C}" type="datetimeFigureOut">
               <a:rPr lang="en-US" smtClean="0"/>
-              <a:t>10/27/2020</a:t>
+              <a:t>10/27/20</a:t>
             </a:fld>
             <a:endParaRPr lang="en-US" dirty="0"/>
           </a:p>
@@ -1841,7 +1841,7 @@
           <a:p>
             <a:fld id="{17BDACBA-FEFB-4B09-B122-B726D4C1B49C}" type="datetimeFigureOut">
               <a:rPr lang="en-US" smtClean="0"/>
-              <a:t>10/27/2020</a:t>
+              <a:t>10/27/20</a:t>
             </a:fld>
             <a:endParaRPr lang="en-US" dirty="0"/>
           </a:p>
@@ -1982,7 +1982,7 @@
           <a:p>
             <a:fld id="{17BDACBA-FEFB-4B09-B122-B726D4C1B49C}" type="datetimeFigureOut">
               <a:rPr lang="en-US" smtClean="0"/>
-              <a:t>10/27/2020</a:t>
+              <a:t>10/27/20</a:t>
             </a:fld>
             <a:endParaRPr lang="en-US" dirty="0"/>
           </a:p>
@@ -2095,7 +2095,7 @@
           <a:p>
             <a:fld id="{17BDACBA-FEFB-4B09-B122-B726D4C1B49C}" type="datetimeFigureOut">
               <a:rPr lang="en-US" smtClean="0"/>
-              <a:t>10/27/2020</a:t>
+              <a:t>10/27/20</a:t>
             </a:fld>
             <a:endParaRPr lang="en-US" dirty="0"/>
           </a:p>
@@ -2406,7 +2406,7 @@
           <a:p>
             <a:fld id="{17BDACBA-FEFB-4B09-B122-B726D4C1B49C}" type="datetimeFigureOut">
               <a:rPr lang="en-US" smtClean="0"/>
-              <a:t>10/27/2020</a:t>
+              <a:t>10/27/20</a:t>
             </a:fld>
             <a:endParaRPr lang="en-US" dirty="0"/>
           </a:p>
@@ -2694,7 +2694,7 @@
           <a:p>
             <a:fld id="{17BDACBA-FEFB-4B09-B122-B726D4C1B49C}" type="datetimeFigureOut">
               <a:rPr lang="en-US" smtClean="0"/>
-              <a:t>10/27/2020</a:t>
+              <a:t>10/27/20</a:t>
             </a:fld>
             <a:endParaRPr lang="en-US" dirty="0"/>
           </a:p>
@@ -2935,7 +2935,7 @@
           <a:p>
             <a:fld id="{17BDACBA-FEFB-4B09-B122-B726D4C1B49C}" type="datetimeFigureOut">
               <a:rPr lang="en-US" smtClean="0"/>
-              <a:t>10/27/2020</a:t>
+              <a:t>10/27/20</a:t>
             </a:fld>
             <a:endParaRPr lang="en-US" dirty="0"/>
           </a:p>
@@ -5648,7 +5648,7 @@
                   <a:srgbClr val="000000"/>
                 </a:solidFill>
               </a:rPr>
-              <a:t>Our answers were not conclusive and not what he hypothesized. It appears that concussions went up. </a:t>
+              <a:t>Our answers were not conclusive and not what we hypothesized. It appears that concussions went up. </a:t>
             </a:r>
           </a:p>
         </p:txBody>

--- a/Concussions in the NFL.pptx
+++ b/Concussions in the NFL.pptx
@@ -285,7 +285,7 @@
           <a:p>
             <a:fld id="{17BDACBA-FEFB-4B09-B122-B726D4C1B49C}" type="datetimeFigureOut">
               <a:rPr lang="en-US" smtClean="0"/>
-              <a:t>10/27/20</a:t>
+              <a:t>10/28/20</a:t>
             </a:fld>
             <a:endParaRPr lang="en-US" dirty="0"/>
           </a:p>
@@ -483,7 +483,7 @@
           <a:p>
             <a:fld id="{17BDACBA-FEFB-4B09-B122-B726D4C1B49C}" type="datetimeFigureOut">
               <a:rPr lang="en-US" smtClean="0"/>
-              <a:t>10/27/20</a:t>
+              <a:t>10/28/20</a:t>
             </a:fld>
             <a:endParaRPr lang="en-US" dirty="0"/>
           </a:p>
@@ -691,7 +691,7 @@
           <a:p>
             <a:fld id="{17BDACBA-FEFB-4B09-B122-B726D4C1B49C}" type="datetimeFigureOut">
               <a:rPr lang="en-US" smtClean="0"/>
-              <a:t>10/27/20</a:t>
+              <a:t>10/28/20</a:t>
             </a:fld>
             <a:endParaRPr lang="en-US" dirty="0"/>
           </a:p>
@@ -889,7 +889,7 @@
           <a:p>
             <a:fld id="{17BDACBA-FEFB-4B09-B122-B726D4C1B49C}" type="datetimeFigureOut">
               <a:rPr lang="en-US" smtClean="0"/>
-              <a:t>10/27/20</a:t>
+              <a:t>10/28/20</a:t>
             </a:fld>
             <a:endParaRPr lang="en-US" dirty="0"/>
           </a:p>
@@ -1164,7 +1164,7 @@
           <a:p>
             <a:fld id="{17BDACBA-FEFB-4B09-B122-B726D4C1B49C}" type="datetimeFigureOut">
               <a:rPr lang="en-US" smtClean="0"/>
-              <a:t>10/27/20</a:t>
+              <a:t>10/28/20</a:t>
             </a:fld>
             <a:endParaRPr lang="en-US" dirty="0"/>
           </a:p>
@@ -1429,7 +1429,7 @@
           <a:p>
             <a:fld id="{17BDACBA-FEFB-4B09-B122-B726D4C1B49C}" type="datetimeFigureOut">
               <a:rPr lang="en-US" smtClean="0"/>
-              <a:t>10/27/20</a:t>
+              <a:t>10/28/20</a:t>
             </a:fld>
             <a:endParaRPr lang="en-US" dirty="0"/>
           </a:p>
@@ -1841,7 +1841,7 @@
           <a:p>
             <a:fld id="{17BDACBA-FEFB-4B09-B122-B726D4C1B49C}" type="datetimeFigureOut">
               <a:rPr lang="en-US" smtClean="0"/>
-              <a:t>10/27/20</a:t>
+              <a:t>10/28/20</a:t>
             </a:fld>
             <a:endParaRPr lang="en-US" dirty="0"/>
           </a:p>
@@ -1982,7 +1982,7 @@
           <a:p>
             <a:fld id="{17BDACBA-FEFB-4B09-B122-B726D4C1B49C}" type="datetimeFigureOut">
               <a:rPr lang="en-US" smtClean="0"/>
-              <a:t>10/27/20</a:t>
+              <a:t>10/28/20</a:t>
             </a:fld>
             <a:endParaRPr lang="en-US" dirty="0"/>
           </a:p>
@@ -2095,7 +2095,7 @@
           <a:p>
             <a:fld id="{17BDACBA-FEFB-4B09-B122-B726D4C1B49C}" type="datetimeFigureOut">
               <a:rPr lang="en-US" smtClean="0"/>
-              <a:t>10/27/20</a:t>
+              <a:t>10/28/20</a:t>
             </a:fld>
             <a:endParaRPr lang="en-US" dirty="0"/>
           </a:p>
@@ -2406,7 +2406,7 @@
           <a:p>
             <a:fld id="{17BDACBA-FEFB-4B09-B122-B726D4C1B49C}" type="datetimeFigureOut">
               <a:rPr lang="en-US" smtClean="0"/>
-              <a:t>10/27/20</a:t>
+              <a:t>10/28/20</a:t>
             </a:fld>
             <a:endParaRPr lang="en-US" dirty="0"/>
           </a:p>
@@ -2694,7 +2694,7 @@
           <a:p>
             <a:fld id="{17BDACBA-FEFB-4B09-B122-B726D4C1B49C}" type="datetimeFigureOut">
               <a:rPr lang="en-US" smtClean="0"/>
-              <a:t>10/27/20</a:t>
+              <a:t>10/28/20</a:t>
             </a:fld>
             <a:endParaRPr lang="en-US" dirty="0"/>
           </a:p>
@@ -2935,7 +2935,7 @@
           <a:p>
             <a:fld id="{17BDACBA-FEFB-4B09-B122-B726D4C1B49C}" type="datetimeFigureOut">
               <a:rPr lang="en-US" smtClean="0"/>
-              <a:t>10/27/20</a:t>
+              <a:t>10/28/20</a:t>
             </a:fld>
             <a:endParaRPr lang="en-US" dirty="0"/>
           </a:p>
@@ -6229,6 +6229,16 @@
               <a:t> to answer the questions</a:t>
             </a:r>
           </a:p>
+          <a:p>
+            <a:r>
+              <a:rPr lang="en-US" sz="2000" dirty="0">
+                <a:solidFill>
+                  <a:srgbClr val="000000"/>
+                </a:solidFill>
+              </a:rPr>
+              <a:t>Clean repetitive concussion injury labels to a single “Concussion” label</a:t>
+            </a:r>
+          </a:p>
         </p:txBody>
       </p:sp>
     </p:spTree>
